--- a/Traction Talk.pptx
+++ b/Traction Talk.pptx
@@ -376,7 +376,7 @@
           <a:p>
             <a:fld id="{9A8302B7-B1BF-424D-814E-7353C3A0E584}" type="datetimeFigureOut">
               <a:rPr lang="en-US" smtClean="0"/>
-              <a:t>11/7/19</a:t>
+              <a:t>11/14/19</a:t>
             </a:fld>
             <a:endParaRPr lang="en-US"/>
           </a:p>
@@ -687,7 +687,7 @@
           <a:bodyPr/>
           <a:lstStyle/>
           <a:p>
-            <a:endParaRPr lang="en-US"/>
+            <a:endParaRPr lang="en-US" dirty="0"/>
           </a:p>
         </p:txBody>
       </p:sp>
@@ -771,7 +771,6 @@
           <a:bodyPr/>
           <a:lstStyle/>
           <a:p>
-            <a:pPr lvl="0"/>
             <a:r>
               <a:rPr lang="en-GB" sz="500" kern="1200" dirty="0">
                 <a:solidFill>
@@ -782,11 +781,10 @@
                 <a:ea typeface="+mn-ea"/>
                 <a:cs typeface="+mn-cs"/>
               </a:rPr>
-              <a:t>Saphyr  (screen shots of the below)</a:t>
-            </a:r>
-          </a:p>
-          <a:p>
-            <a:pPr lvl="0"/>
+              <a:t>High level</a:t>
+            </a:r>
+          </a:p>
+          <a:p>
             <a:endParaRPr lang="en-GB" sz="500" kern="1200" dirty="0">
               <a:solidFill>
                 <a:schemeClr val="tx1"/>
@@ -798,7 +796,6 @@
             </a:endParaRPr>
           </a:p>
           <a:p>
-            <a:pPr lvl="0"/>
             <a:r>
               <a:rPr lang="en-GB" sz="500" kern="1200" dirty="0">
                 <a:solidFill>
@@ -809,11 +806,10 @@
                 <a:ea typeface="+mn-ea"/>
                 <a:cs typeface="+mn-cs"/>
               </a:rPr>
-              <a:t>What it is …. (get from Michelle)</a:t>
-            </a:r>
-          </a:p>
-          <a:p>
-            <a:pPr lvl="0"/>
+              <a:t>What services Traction is currently speaking to</a:t>
+            </a:r>
+          </a:p>
+          <a:p>
             <a:endParaRPr lang="en-GB" sz="500" kern="1200" dirty="0">
               <a:solidFill>
                 <a:schemeClr val="tx1"/>
@@ -825,19 +821,6 @@
             </a:endParaRPr>
           </a:p>
           <a:p>
-            <a:pPr lvl="0"/>
-            <a:endParaRPr lang="en-GB" sz="500" kern="1200" dirty="0">
-              <a:solidFill>
-                <a:schemeClr val="tx1"/>
-              </a:solidFill>
-              <a:effectLst/>
-              <a:latin typeface="+mn-lt"/>
-              <a:ea typeface="+mn-ea"/>
-              <a:cs typeface="+mn-cs"/>
-            </a:endParaRPr>
-          </a:p>
-          <a:p>
-            <a:pPr lvl="0"/>
             <a:r>
               <a:rPr lang="en-GB" sz="500" kern="1200" dirty="0">
                 <a:solidFill>
@@ -848,52 +831,13 @@
                 <a:ea typeface="+mn-ea"/>
                 <a:cs typeface="+mn-cs"/>
               </a:rPr>
-              <a:t>Reception</a:t>
-            </a:r>
-          </a:p>
-          <a:p>
-            <a:pPr lvl="0"/>
-            <a:r>
-              <a:rPr lang="en-GB" sz="500" kern="1200" dirty="0">
-                <a:solidFill>
-                  <a:schemeClr val="tx1"/>
-                </a:solidFill>
+              <a:t>SS -&gt; SE -&gt; Traction -&gt; WH</a:t>
+            </a:r>
+            <a:r>
+              <a:rPr lang="en-GB" dirty="0">
                 <a:effectLst/>
-                <a:latin typeface="+mn-lt"/>
-                <a:ea typeface="+mn-ea"/>
-                <a:cs typeface="+mn-cs"/>
               </a:rPr>
-              <a:t>Library creation</a:t>
-            </a:r>
-          </a:p>
-          <a:p>
-            <a:pPr lvl="0"/>
-            <a:r>
-              <a:rPr lang="en-GB" sz="500" kern="1200" dirty="0">
-                <a:solidFill>
-                  <a:schemeClr val="tx1"/>
-                </a:solidFill>
-                <a:effectLst/>
-                <a:latin typeface="+mn-lt"/>
-                <a:ea typeface="+mn-ea"/>
-                <a:cs typeface="+mn-cs"/>
-              </a:rPr>
-              <a:t>Run creation</a:t>
-            </a:r>
-          </a:p>
-          <a:p>
-            <a:pPr lvl="0"/>
-            <a:r>
-              <a:rPr lang="en-GB" sz="500" kern="1200" dirty="0">
-                <a:solidFill>
-                  <a:schemeClr val="tx1"/>
-                </a:solidFill>
-                <a:effectLst/>
-                <a:latin typeface="+mn-lt"/>
-                <a:ea typeface="+mn-ea"/>
-                <a:cs typeface="+mn-cs"/>
-              </a:rPr>
-              <a:t>Picture of software o the Saphyr instrument </a:t>
+              <a:t> </a:t>
             </a:r>
           </a:p>
           <a:p>
@@ -902,6 +846,46 @@
             </a:endParaRPr>
           </a:p>
           <a:p>
+            <a:r>
+              <a:rPr lang="en-GB" dirty="0">
+                <a:effectLst/>
+              </a:rPr>
+              <a:t>Picture of SS sample manifest</a:t>
+            </a:r>
+          </a:p>
+          <a:p>
+            <a:r>
+              <a:rPr lang="en-GB" dirty="0">
+                <a:effectLst/>
+              </a:rPr>
+              <a:t>Picture of Sample Extraction</a:t>
+            </a:r>
+          </a:p>
+          <a:p>
+            <a:r>
+              <a:rPr lang="en-GB" dirty="0">
+                <a:effectLst/>
+              </a:rPr>
+              <a:t>Picture of Traction</a:t>
+            </a:r>
+          </a:p>
+          <a:p>
+            <a:r>
+              <a:rPr lang="en-GB" dirty="0">
+                <a:effectLst/>
+              </a:rPr>
+              <a:t>Picture of data</a:t>
+            </a:r>
+          </a:p>
+          <a:p>
+            <a:r>
+              <a:rPr lang="en-GB" dirty="0">
+                <a:effectLst/>
+              </a:rPr>
+              <a:t>Arrows etc</a:t>
+            </a:r>
+          </a:p>
+          <a:p>
             <a:endParaRPr lang="en-GB" dirty="0">
               <a:effectLst/>
             </a:endParaRPr>
@@ -911,7 +895,7 @@
               <a:rPr lang="en-GB" dirty="0">
                 <a:effectLst/>
               </a:rPr>
-              <a:t>ACTION</a:t>
+              <a:t>ACTION:</a:t>
             </a:r>
           </a:p>
           <a:p>
@@ -924,46 +908,13 @@
               <a:rPr lang="en-GB" dirty="0">
                 <a:effectLst/>
               </a:rPr>
-              <a:t>Lots of screenshots</a:t>
-            </a:r>
-          </a:p>
-          <a:p>
-            <a:r>
-              <a:rPr lang="en-GB" dirty="0">
-                <a:effectLst/>
-              </a:rPr>
-              <a:t>Picture of Saphyr instrument</a:t>
-            </a:r>
-          </a:p>
-          <a:p>
-            <a:pPr marL="0" marR="0" lvl="0" indent="0" algn="l" defTabSz="415698" rtl="0" eaLnBrk="1" fontAlgn="auto" latinLnBrk="0" hangingPunct="1">
-              <a:lnSpc>
-                <a:spcPct val="100000"/>
-              </a:lnSpc>
-              <a:spcBef>
-                <a:spcPts val="0"/>
-              </a:spcBef>
-              <a:spcAft>
-                <a:spcPts val="0"/>
-              </a:spcAft>
-              <a:buClrTx/>
-              <a:buSzTx/>
-              <a:buFontTx/>
-              <a:buNone/>
-              <a:tabLst/>
-              <a:defRPr/>
-            </a:pPr>
-            <a:r>
-              <a:rPr lang="en-GB" dirty="0">
-                <a:effectLst/>
-              </a:rPr>
-              <a:t>Picture of Saphyr software</a:t>
+              <a:t>Create high level architecture diagram</a:t>
             </a:r>
           </a:p>
           <a:p>
             <a:r>
               <a:rPr lang="en-US" dirty="0"/>
-              <a:t>Get quote from Michelle about Saphyr</a:t>
+              <a:t>Get screenshots</a:t>
             </a:r>
           </a:p>
         </p:txBody>
@@ -985,7 +936,7 @@
           <a:p>
             <a:fld id="{6A2F9BBA-A9BD-6344-AA98-520E3FE767FB}" type="slidenum">
               <a:rPr lang="en-US" smtClean="0"/>
-              <a:t>12</a:t>
+              <a:t>11</a:t>
             </a:fld>
             <a:endParaRPr lang="en-US"/>
           </a:p>
@@ -994,7 +945,7 @@
     </p:spTree>
     <p:extLst>
       <p:ext uri="{BB962C8B-B14F-4D97-AF65-F5344CB8AC3E}">
-        <p14:creationId xmlns:p14="http://schemas.microsoft.com/office/powerpoint/2010/main" val="1848252213"/>
+        <p14:creationId xmlns:p14="http://schemas.microsoft.com/office/powerpoint/2010/main" val="1437149497"/>
       </p:ext>
     </p:extLst>
   </p:cSld>
@@ -1050,7 +1001,7 @@
           <a:p>
             <a:pPr lvl="0"/>
             <a:r>
-              <a:rPr lang="en-GB" sz="500" kern="1200" dirty="0" err="1">
+              <a:rPr lang="en-GB" sz="500" kern="1200" dirty="0">
                 <a:solidFill>
                   <a:schemeClr val="tx1"/>
                 </a:solidFill>
@@ -1059,19 +1010,7 @@
                 <a:ea typeface="+mn-ea"/>
                 <a:cs typeface="+mn-cs"/>
               </a:rPr>
-              <a:t>Pacbio</a:t>
-            </a:r>
-            <a:r>
-              <a:rPr lang="en-GB" sz="500" kern="1200" dirty="0">
-                <a:solidFill>
-                  <a:schemeClr val="tx1"/>
-                </a:solidFill>
-                <a:effectLst/>
-                <a:latin typeface="+mn-lt"/>
-                <a:ea typeface="+mn-ea"/>
-                <a:cs typeface="+mn-cs"/>
-              </a:rPr>
-              <a:t> (screen shots of the below)</a:t>
+              <a:t>Saphyr  (screen shots of the below)</a:t>
             </a:r>
           </a:p>
           <a:p>
@@ -1098,7 +1037,7 @@
                 <a:ea typeface="+mn-ea"/>
                 <a:cs typeface="+mn-cs"/>
               </a:rPr>
-              <a:t>What it does …</a:t>
+              <a:t>What it is …. (get from Michelle)</a:t>
             </a:r>
           </a:p>
           <a:p>
@@ -1115,6 +1054,18 @@
           </a:p>
           <a:p>
             <a:pPr lvl="0"/>
+            <a:endParaRPr lang="en-GB" sz="500" kern="1200" dirty="0">
+              <a:solidFill>
+                <a:schemeClr val="tx1"/>
+              </a:solidFill>
+              <a:effectLst/>
+              <a:latin typeface="+mn-lt"/>
+              <a:ea typeface="+mn-ea"/>
+              <a:cs typeface="+mn-cs"/>
+            </a:endParaRPr>
+          </a:p>
+          <a:p>
+            <a:pPr lvl="0"/>
             <a:r>
               <a:rPr lang="en-GB" sz="500" kern="1200" dirty="0">
                 <a:solidFill>
@@ -1125,22 +1076,7 @@
                 <a:ea typeface="+mn-ea"/>
                 <a:cs typeface="+mn-cs"/>
               </a:rPr>
-              <a:t>Reception page </a:t>
-            </a:r>
-          </a:p>
-          <a:p>
-            <a:pPr lvl="0"/>
-            <a:r>
-              <a:rPr lang="en-GB" sz="500" kern="1200" dirty="0">
-                <a:solidFill>
-                  <a:schemeClr val="tx1"/>
-                </a:solidFill>
-                <a:effectLst/>
-                <a:latin typeface="+mn-lt"/>
-                <a:ea typeface="+mn-ea"/>
-                <a:cs typeface="+mn-cs"/>
-              </a:rPr>
-              <a:t>Samples page</a:t>
+              <a:t>Reception</a:t>
             </a:r>
           </a:p>
           <a:p>
@@ -1185,86 +1121,77 @@
                 <a:ea typeface="+mn-ea"/>
                 <a:cs typeface="+mn-cs"/>
               </a:rPr>
-              <a:t>Generation of sample sheet</a:t>
-            </a:r>
+              <a:t>Picture of software o the Saphyr instrument </a:t>
+            </a:r>
+          </a:p>
+          <a:p>
+            <a:endParaRPr lang="en-GB" dirty="0">
+              <a:effectLst/>
+            </a:endParaRPr>
+          </a:p>
+          <a:p>
+            <a:endParaRPr lang="en-GB" dirty="0">
+              <a:effectLst/>
+            </a:endParaRPr>
           </a:p>
           <a:p>
             <a:r>
               <a:rPr lang="en-GB" dirty="0">
                 <a:effectLst/>
               </a:rPr>
-              <a:t>Picture of </a:t>
-            </a:r>
-            <a:r>
-              <a:rPr lang="en-GB" dirty="0" err="1">
-                <a:effectLst/>
-              </a:rPr>
-              <a:t>Pacbio</a:t>
-            </a:r>
+              <a:t>ACTION</a:t>
+            </a:r>
+          </a:p>
+          <a:p>
+            <a:endParaRPr lang="en-GB" dirty="0">
+              <a:effectLst/>
+            </a:endParaRPr>
+          </a:p>
+          <a:p>
             <a:r>
               <a:rPr lang="en-GB" dirty="0">
                 <a:effectLst/>
               </a:rPr>
-              <a:t> Instrument + SMRT link up</a:t>
-            </a:r>
-          </a:p>
-          <a:p>
-            <a:endParaRPr lang="en-GB" dirty="0">
-              <a:effectLst/>
-            </a:endParaRPr>
-          </a:p>
-          <a:p>
-            <a:endParaRPr lang="en-GB" dirty="0">
-              <a:effectLst/>
-            </a:endParaRPr>
+              <a:t>Lots of screenshots</a:t>
+            </a:r>
           </a:p>
           <a:p>
             <a:r>
               <a:rPr lang="en-GB" dirty="0">
                 <a:effectLst/>
               </a:rPr>
-              <a:t>ACTIONS:</a:t>
-            </a:r>
-          </a:p>
-          <a:p>
-            <a:endParaRPr lang="en-GB" dirty="0">
-              <a:effectLst/>
-            </a:endParaRPr>
-          </a:p>
-          <a:p>
+              <a:t>Picture of Saphyr instrument</a:t>
+            </a:r>
+          </a:p>
+          <a:p>
+            <a:pPr marL="0" marR="0" lvl="0" indent="0" algn="l" defTabSz="415698" rtl="0" eaLnBrk="1" fontAlgn="auto" latinLnBrk="0" hangingPunct="1">
+              <a:lnSpc>
+                <a:spcPct val="100000"/>
+              </a:lnSpc>
+              <a:spcBef>
+                <a:spcPts val="0"/>
+              </a:spcBef>
+              <a:spcAft>
+                <a:spcPts val="0"/>
+              </a:spcAft>
+              <a:buClrTx/>
+              <a:buSzTx/>
+              <a:buFontTx/>
+              <a:buNone/>
+              <a:tabLst/>
+              <a:defRPr/>
+            </a:pPr>
             <a:r>
               <a:rPr lang="en-GB" dirty="0">
                 <a:effectLst/>
               </a:rPr>
-              <a:t>Get quote from Karen about </a:t>
-            </a:r>
-            <a:r>
-              <a:rPr lang="en-GB" dirty="0" err="1">
-                <a:effectLst/>
-              </a:rPr>
-              <a:t>Pacbio</a:t>
-            </a:r>
-            <a:r>
-              <a:rPr lang="en-GB" dirty="0">
-                <a:effectLst/>
-              </a:rPr>
-              <a:t> and what it does</a:t>
-            </a:r>
-          </a:p>
-          <a:p>
-            <a:r>
-              <a:rPr lang="en-GB" dirty="0">
-                <a:effectLst/>
-              </a:rPr>
-              <a:t>Get lots of screenshot</a:t>
-            </a:r>
-          </a:p>
-          <a:p>
-            <a:r>
-              <a:rPr lang="en-GB" dirty="0">
-                <a:effectLst/>
-              </a:rPr>
-              <a:t>Get image of the instrument</a:t>
+              <a:t>Picture of Saphyr software</a:t>
+            </a:r>
+          </a:p>
+          <a:p>
+            <a:r>
+              <a:rPr lang="en-US" dirty="0"/>
+              <a:t>Get quote from Michelle about Saphyr</a:t>
             </a:r>
           </a:p>
         </p:txBody>
@@ -1286,7 +1213,7 @@
           <a:p>
             <a:fld id="{6A2F9BBA-A9BD-6344-AA98-520E3FE767FB}" type="slidenum">
               <a:rPr lang="en-US" smtClean="0"/>
-              <a:t>13</a:t>
+              <a:t>12</a:t>
             </a:fld>
             <a:endParaRPr lang="en-US"/>
           </a:p>
@@ -1295,7 +1222,7 @@
     </p:spTree>
     <p:extLst>
       <p:ext uri="{BB962C8B-B14F-4D97-AF65-F5344CB8AC3E}">
-        <p14:creationId xmlns:p14="http://schemas.microsoft.com/office/powerpoint/2010/main" val="2155438092"/>
+        <p14:creationId xmlns:p14="http://schemas.microsoft.com/office/powerpoint/2010/main" val="1848252213"/>
       </p:ext>
     </p:extLst>
   </p:cSld>
@@ -1349,6 +1276,307 @@
           <a:bodyPr/>
           <a:lstStyle/>
           <a:p>
+            <a:pPr lvl="0"/>
+            <a:r>
+              <a:rPr lang="en-GB" sz="500" kern="1200" dirty="0" err="1">
+                <a:solidFill>
+                  <a:schemeClr val="tx1"/>
+                </a:solidFill>
+                <a:effectLst/>
+                <a:latin typeface="+mn-lt"/>
+                <a:ea typeface="+mn-ea"/>
+                <a:cs typeface="+mn-cs"/>
+              </a:rPr>
+              <a:t>Pacbio</a:t>
+            </a:r>
+            <a:r>
+              <a:rPr lang="en-GB" sz="500" kern="1200" dirty="0">
+                <a:solidFill>
+                  <a:schemeClr val="tx1"/>
+                </a:solidFill>
+                <a:effectLst/>
+                <a:latin typeface="+mn-lt"/>
+                <a:ea typeface="+mn-ea"/>
+                <a:cs typeface="+mn-cs"/>
+              </a:rPr>
+              <a:t> (screen shots of the below)</a:t>
+            </a:r>
+          </a:p>
+          <a:p>
+            <a:pPr lvl="0"/>
+            <a:endParaRPr lang="en-GB" sz="500" kern="1200" dirty="0">
+              <a:solidFill>
+                <a:schemeClr val="tx1"/>
+              </a:solidFill>
+              <a:effectLst/>
+              <a:latin typeface="+mn-lt"/>
+              <a:ea typeface="+mn-ea"/>
+              <a:cs typeface="+mn-cs"/>
+            </a:endParaRPr>
+          </a:p>
+          <a:p>
+            <a:pPr lvl="0"/>
+            <a:r>
+              <a:rPr lang="en-GB" sz="500" kern="1200" dirty="0">
+                <a:solidFill>
+                  <a:schemeClr val="tx1"/>
+                </a:solidFill>
+                <a:effectLst/>
+                <a:latin typeface="+mn-lt"/>
+                <a:ea typeface="+mn-ea"/>
+                <a:cs typeface="+mn-cs"/>
+              </a:rPr>
+              <a:t>What it does …</a:t>
+            </a:r>
+          </a:p>
+          <a:p>
+            <a:pPr lvl="0"/>
+            <a:endParaRPr lang="en-GB" sz="500" kern="1200" dirty="0">
+              <a:solidFill>
+                <a:schemeClr val="tx1"/>
+              </a:solidFill>
+              <a:effectLst/>
+              <a:latin typeface="+mn-lt"/>
+              <a:ea typeface="+mn-ea"/>
+              <a:cs typeface="+mn-cs"/>
+            </a:endParaRPr>
+          </a:p>
+          <a:p>
+            <a:pPr lvl="0"/>
+            <a:r>
+              <a:rPr lang="en-GB" sz="500" kern="1200" dirty="0">
+                <a:solidFill>
+                  <a:schemeClr val="tx1"/>
+                </a:solidFill>
+                <a:effectLst/>
+                <a:latin typeface="+mn-lt"/>
+                <a:ea typeface="+mn-ea"/>
+                <a:cs typeface="+mn-cs"/>
+              </a:rPr>
+              <a:t>Reception page </a:t>
+            </a:r>
+          </a:p>
+          <a:p>
+            <a:pPr lvl="0"/>
+            <a:r>
+              <a:rPr lang="en-GB" sz="500" kern="1200" dirty="0">
+                <a:solidFill>
+                  <a:schemeClr val="tx1"/>
+                </a:solidFill>
+                <a:effectLst/>
+                <a:latin typeface="+mn-lt"/>
+                <a:ea typeface="+mn-ea"/>
+                <a:cs typeface="+mn-cs"/>
+              </a:rPr>
+              <a:t>Samples page</a:t>
+            </a:r>
+          </a:p>
+          <a:p>
+            <a:pPr lvl="0"/>
+            <a:r>
+              <a:rPr lang="en-GB" sz="500" kern="1200" dirty="0">
+                <a:solidFill>
+                  <a:schemeClr val="tx1"/>
+                </a:solidFill>
+                <a:effectLst/>
+                <a:latin typeface="+mn-lt"/>
+                <a:ea typeface="+mn-ea"/>
+                <a:cs typeface="+mn-cs"/>
+              </a:rPr>
+              <a:t>Library creation</a:t>
+            </a:r>
+          </a:p>
+          <a:p>
+            <a:pPr lvl="0"/>
+            <a:r>
+              <a:rPr lang="en-GB" sz="500" kern="1200" dirty="0">
+                <a:solidFill>
+                  <a:schemeClr val="tx1"/>
+                </a:solidFill>
+                <a:effectLst/>
+                <a:latin typeface="+mn-lt"/>
+                <a:ea typeface="+mn-ea"/>
+                <a:cs typeface="+mn-cs"/>
+              </a:rPr>
+              <a:t>Run creation</a:t>
+            </a:r>
+          </a:p>
+          <a:p>
+            <a:pPr lvl="0"/>
+            <a:r>
+              <a:rPr lang="en-GB" sz="500" kern="1200" dirty="0">
+                <a:solidFill>
+                  <a:schemeClr val="tx1"/>
+                </a:solidFill>
+                <a:effectLst/>
+                <a:latin typeface="+mn-lt"/>
+                <a:ea typeface="+mn-ea"/>
+                <a:cs typeface="+mn-cs"/>
+              </a:rPr>
+              <a:t>Generation of sample sheet</a:t>
+            </a:r>
+          </a:p>
+          <a:p>
+            <a:r>
+              <a:rPr lang="en-GB" dirty="0">
+                <a:effectLst/>
+              </a:rPr>
+              <a:t>Picture of </a:t>
+            </a:r>
+            <a:r>
+              <a:rPr lang="en-GB" dirty="0" err="1">
+                <a:effectLst/>
+              </a:rPr>
+              <a:t>Pacbio</a:t>
+            </a:r>
+            <a:r>
+              <a:rPr lang="en-GB" dirty="0">
+                <a:effectLst/>
+              </a:rPr>
+              <a:t> Instrument + SMRT link up</a:t>
+            </a:r>
+          </a:p>
+          <a:p>
+            <a:endParaRPr lang="en-GB" dirty="0">
+              <a:effectLst/>
+            </a:endParaRPr>
+          </a:p>
+          <a:p>
+            <a:endParaRPr lang="en-GB" dirty="0">
+              <a:effectLst/>
+            </a:endParaRPr>
+          </a:p>
+          <a:p>
+            <a:r>
+              <a:rPr lang="en-GB" dirty="0">
+                <a:effectLst/>
+              </a:rPr>
+              <a:t>ACTIONS:</a:t>
+            </a:r>
+          </a:p>
+          <a:p>
+            <a:endParaRPr lang="en-GB" dirty="0">
+              <a:effectLst/>
+            </a:endParaRPr>
+          </a:p>
+          <a:p>
+            <a:r>
+              <a:rPr lang="en-GB" dirty="0">
+                <a:effectLst/>
+              </a:rPr>
+              <a:t>Get quote from Karen about </a:t>
+            </a:r>
+            <a:r>
+              <a:rPr lang="en-GB" dirty="0" err="1">
+                <a:effectLst/>
+              </a:rPr>
+              <a:t>Pacbio</a:t>
+            </a:r>
+            <a:r>
+              <a:rPr lang="en-GB" dirty="0">
+                <a:effectLst/>
+              </a:rPr>
+              <a:t> and what it does</a:t>
+            </a:r>
+          </a:p>
+          <a:p>
+            <a:r>
+              <a:rPr lang="en-GB" dirty="0">
+                <a:effectLst/>
+              </a:rPr>
+              <a:t>Get lots of screenshot</a:t>
+            </a:r>
+          </a:p>
+          <a:p>
+            <a:r>
+              <a:rPr lang="en-GB" dirty="0">
+                <a:effectLst/>
+              </a:rPr>
+              <a:t>Get image of the instrument</a:t>
+            </a:r>
+          </a:p>
+        </p:txBody>
+      </p:sp>
+      <p:sp>
+        <p:nvSpPr>
+          <p:cNvPr id="4" name="Slide Number Placeholder 3"/>
+          <p:cNvSpPr>
+            <a:spLocks noGrp="1"/>
+          </p:cNvSpPr>
+          <p:nvPr>
+            <p:ph type="sldNum" sz="quarter" idx="5"/>
+          </p:nvPr>
+        </p:nvSpPr>
+        <p:spPr/>
+        <p:txBody>
+          <a:bodyPr/>
+          <a:lstStyle/>
+          <a:p>
+            <a:fld id="{6A2F9BBA-A9BD-6344-AA98-520E3FE767FB}" type="slidenum">
+              <a:rPr lang="en-US" smtClean="0"/>
+              <a:t>13</a:t>
+            </a:fld>
+            <a:endParaRPr lang="en-US"/>
+          </a:p>
+        </p:txBody>
+      </p:sp>
+    </p:spTree>
+    <p:extLst>
+      <p:ext uri="{BB962C8B-B14F-4D97-AF65-F5344CB8AC3E}">
+        <p14:creationId xmlns:p14="http://schemas.microsoft.com/office/powerpoint/2010/main" val="2155438092"/>
+      </p:ext>
+    </p:extLst>
+  </p:cSld>
+  <p:clrMapOvr>
+    <a:masterClrMapping/>
+  </p:clrMapOvr>
+</p:notes>
+</file>
+
+<file path=ppt/notesSlides/notesSlide13.xml><?xml version="1.0" encoding="utf-8"?>
+<p:notes xmlns:a="http://schemas.openxmlformats.org/drawingml/2006/main" xmlns:r="http://schemas.openxmlformats.org/officeDocument/2006/relationships" xmlns:p="http://schemas.openxmlformats.org/presentationml/2006/main">
+  <p:cSld>
+    <p:spTree>
+      <p:nvGrpSpPr>
+        <p:cNvPr id="1" name=""/>
+        <p:cNvGrpSpPr/>
+        <p:nvPr/>
+      </p:nvGrpSpPr>
+      <p:grpSpPr>
+        <a:xfrm>
+          <a:off x="0" y="0"/>
+          <a:ext cx="0" cy="0"/>
+          <a:chOff x="0" y="0"/>
+          <a:chExt cx="0" cy="0"/>
+        </a:xfrm>
+      </p:grpSpPr>
+      <p:sp>
+        <p:nvSpPr>
+          <p:cNvPr id="2" name="Slide Image Placeholder 1"/>
+          <p:cNvSpPr>
+            <a:spLocks noGrp="1" noRot="1" noChangeAspect="1"/>
+          </p:cNvSpPr>
+          <p:nvPr>
+            <p:ph type="sldImg"/>
+          </p:nvPr>
+        </p:nvSpPr>
+        <p:spPr/>
+      </p:sp>
+      <p:sp>
+        <p:nvSpPr>
+          <p:cNvPr id="3" name="Notes Placeholder 2"/>
+          <p:cNvSpPr>
+            <a:spLocks noGrp="1"/>
+          </p:cNvSpPr>
+          <p:nvPr>
+            <p:ph type="body" idx="1"/>
+          </p:nvPr>
+        </p:nvSpPr>
+        <p:spPr/>
+        <p:txBody>
+          <a:bodyPr/>
+          <a:lstStyle/>
+          <a:p>
             <a:r>
               <a:rPr lang="en-GB" sz="500" kern="1200" dirty="0">
                 <a:solidFill>
@@ -1882,7 +2110,7 @@
 </p:notes>
 </file>
 
-<file path=ppt/notesSlides/notesSlide13.xml><?xml version="1.0" encoding="utf-8"?>
+<file path=ppt/notesSlides/notesSlide14.xml><?xml version="1.0" encoding="utf-8"?>
 <p:notes xmlns:a="http://schemas.openxmlformats.org/drawingml/2006/main" xmlns:r="http://schemas.openxmlformats.org/officeDocument/2006/relationships" xmlns:p="http://schemas.openxmlformats.org/presentationml/2006/main">
   <p:cSld>
     <p:spTree>
@@ -2273,115 +2501,6 @@
           <a:bodyPr/>
           <a:lstStyle/>
           <a:p>
-            <a:r>
-              <a:rPr lang="en-US" dirty="0"/>
-              <a:t>Quote from Karen </a:t>
-            </a:r>
-          </a:p>
-          <a:p>
-            <a:r>
-              <a:rPr lang="en-US" dirty="0"/>
-              <a:t>Why and how the LIMS will help her</a:t>
-            </a:r>
-          </a:p>
-          <a:p>
-            <a:endParaRPr lang="en-US" dirty="0"/>
-          </a:p>
-          <a:p>
-            <a:r>
-              <a:rPr lang="en-GB" sz="500" kern="1200" dirty="0">
-                <a:solidFill>
-                  <a:schemeClr val="tx1"/>
-                </a:solidFill>
-                <a:effectLst/>
-                <a:latin typeface="+mn-lt"/>
-                <a:ea typeface="+mn-ea"/>
-                <a:cs typeface="+mn-cs"/>
-              </a:rPr>
-              <a:t>Karen:</a:t>
-            </a:r>
-          </a:p>
-          <a:p>
-            <a:r>
-              <a:rPr lang="en-GB" sz="500" kern="1200" dirty="0">
-                <a:solidFill>
-                  <a:schemeClr val="tx1"/>
-                </a:solidFill>
-                <a:effectLst/>
-                <a:latin typeface="+mn-lt"/>
-                <a:ea typeface="+mn-ea"/>
-                <a:cs typeface="+mn-cs"/>
-              </a:rPr>
-              <a:t> </a:t>
-            </a:r>
-          </a:p>
-          <a:p>
-            <a:r>
-              <a:rPr lang="en-GB" sz="500" kern="1200" dirty="0">
-                <a:solidFill>
-                  <a:schemeClr val="tx1"/>
-                </a:solidFill>
-                <a:effectLst/>
-                <a:latin typeface="+mn-lt"/>
-                <a:ea typeface="+mn-ea"/>
-                <a:cs typeface="+mn-cs"/>
-              </a:rPr>
-              <a:t>Picture of Karen with spreadsheets and paper</a:t>
-            </a:r>
-          </a:p>
-          <a:p>
-            <a:r>
-              <a:rPr lang="en-GB" sz="500" kern="1200" dirty="0">
-                <a:solidFill>
-                  <a:schemeClr val="tx1"/>
-                </a:solidFill>
-                <a:effectLst/>
-                <a:latin typeface="+mn-lt"/>
-                <a:ea typeface="+mn-ea"/>
-                <a:cs typeface="+mn-cs"/>
-              </a:rPr>
-              <a:t>Quote from Karen why LIMS will help her</a:t>
-            </a:r>
-            <a:r>
-              <a:rPr lang="en-GB" dirty="0">
-                <a:effectLst/>
-              </a:rPr>
-              <a:t> </a:t>
-            </a:r>
-          </a:p>
-          <a:p>
-            <a:endParaRPr lang="en-GB" dirty="0">
-              <a:effectLst/>
-            </a:endParaRPr>
-          </a:p>
-          <a:p>
-            <a:r>
-              <a:rPr lang="en-GB" dirty="0">
-                <a:effectLst/>
-              </a:rPr>
-              <a:t>ACTIONS:</a:t>
-            </a:r>
-          </a:p>
-          <a:p>
-            <a:endParaRPr lang="en-GB" dirty="0">
-              <a:effectLst/>
-            </a:endParaRPr>
-          </a:p>
-          <a:p>
-            <a:r>
-              <a:rPr lang="en-GB" dirty="0">
-                <a:effectLst/>
-              </a:rPr>
-              <a:t>Get pictures of Karen </a:t>
-            </a:r>
-          </a:p>
-          <a:p>
-            <a:r>
-              <a:rPr lang="en-GB" dirty="0">
-                <a:effectLst/>
-              </a:rPr>
-              <a:t>Get quote from Karen </a:t>
-            </a:r>
             <a:endParaRPr lang="en-US" dirty="0"/>
           </a:p>
         </p:txBody>
@@ -2403,7 +2522,7 @@
           <a:p>
             <a:fld id="{6A2F9BBA-A9BD-6344-AA98-520E3FE767FB}" type="slidenum">
               <a:rPr lang="en-US" smtClean="0"/>
-              <a:t>3</a:t>
+              <a:t>2</a:t>
             </a:fld>
             <a:endParaRPr lang="en-US"/>
           </a:p>
@@ -2412,7 +2531,7 @@
     </p:spTree>
     <p:extLst>
       <p:ext uri="{BB962C8B-B14F-4D97-AF65-F5344CB8AC3E}">
-        <p14:creationId xmlns:p14="http://schemas.microsoft.com/office/powerpoint/2010/main" val="3354914832"/>
+        <p14:creationId xmlns:p14="http://schemas.microsoft.com/office/powerpoint/2010/main" val="1377492466"/>
       </p:ext>
     </p:extLst>
   </p:cSld>
@@ -2467,6 +2586,21 @@
           <a:lstStyle/>
           <a:p>
             <a:r>
+              <a:rPr lang="en-US" dirty="0"/>
+              <a:t>Quote from Karen </a:t>
+            </a:r>
+          </a:p>
+          <a:p>
+            <a:r>
+              <a:rPr lang="en-US" dirty="0"/>
+              <a:t>Why and how the LIMS will help her</a:t>
+            </a:r>
+          </a:p>
+          <a:p>
+            <a:endParaRPr lang="en-US" dirty="0"/>
+          </a:p>
+          <a:p>
+            <a:r>
               <a:rPr lang="en-GB" sz="500" kern="1200" dirty="0">
                 <a:solidFill>
                   <a:schemeClr val="tx1"/>
@@ -2476,7 +2610,7 @@
                 <a:ea typeface="+mn-ea"/>
                 <a:cs typeface="+mn-cs"/>
               </a:rPr>
-              <a:t>Keith:</a:t>
+              <a:t>Karen:</a:t>
             </a:r>
           </a:p>
           <a:p>
@@ -2490,7 +2624,7 @@
                 <a:ea typeface="+mn-ea"/>
                 <a:cs typeface="+mn-cs"/>
               </a:rPr>
-              <a:t>What is missing from the current data gathering</a:t>
+              <a:t> </a:t>
             </a:r>
           </a:p>
           <a:p>
@@ -2504,7 +2638,21 @@
                 <a:ea typeface="+mn-ea"/>
                 <a:cs typeface="+mn-cs"/>
               </a:rPr>
-              <a:t>Will LIMS be able to help</a:t>
+              <a:t>Picture of Karen with spreadsheets and paper</a:t>
+            </a:r>
+          </a:p>
+          <a:p>
+            <a:r>
+              <a:rPr lang="en-GB" sz="500" kern="1200" dirty="0">
+                <a:solidFill>
+                  <a:schemeClr val="tx1"/>
+                </a:solidFill>
+                <a:effectLst/>
+                <a:latin typeface="+mn-lt"/>
+                <a:ea typeface="+mn-ea"/>
+                <a:cs typeface="+mn-cs"/>
+              </a:rPr>
+              <a:t>Quote from Karen why LIMS will help her</a:t>
             </a:r>
             <a:r>
               <a:rPr lang="en-GB" dirty="0">
@@ -2536,7 +2684,7 @@
               <a:rPr lang="en-GB" dirty="0">
                 <a:effectLst/>
               </a:rPr>
-              <a:t>Speak to Keith</a:t>
+              <a:t>Get pictures of Karen </a:t>
             </a:r>
           </a:p>
           <a:p>
@@ -2544,39 +2692,7 @@
               <a:rPr lang="en-GB" dirty="0">
                 <a:effectLst/>
               </a:rPr>
-              <a:t>Get quote from Keith</a:t>
-            </a:r>
-          </a:p>
-          <a:p>
-            <a:r>
-              <a:rPr lang="en-GB" dirty="0">
-                <a:effectLst/>
-              </a:rPr>
-              <a:t>Get idea from Keith</a:t>
-            </a:r>
-          </a:p>
-          <a:p>
-            <a:r>
-              <a:rPr lang="en-GB" dirty="0">
-                <a:effectLst/>
-              </a:rPr>
-              <a:t>What you have to do without LIMS</a:t>
-            </a:r>
-          </a:p>
-          <a:p>
-            <a:r>
-              <a:rPr lang="en-GB" dirty="0">
-                <a:effectLst/>
-              </a:rPr>
-              <a:t>What you have to do with LIMS</a:t>
-            </a:r>
-          </a:p>
-          <a:p>
-            <a:r>
-              <a:rPr lang="en-GB" dirty="0">
-                <a:effectLst/>
-              </a:rPr>
-              <a:t>Get images that reflect his work</a:t>
+              <a:t>Get quote from Karen </a:t>
             </a:r>
             <a:endParaRPr lang="en-US" dirty="0"/>
           </a:p>
@@ -2599,7 +2715,7 @@
           <a:p>
             <a:fld id="{6A2F9BBA-A9BD-6344-AA98-520E3FE767FB}" type="slidenum">
               <a:rPr lang="en-US" smtClean="0"/>
-              <a:t>4</a:t>
+              <a:t>3</a:t>
             </a:fld>
             <a:endParaRPr lang="en-US"/>
           </a:p>
@@ -2608,7 +2724,7 @@
     </p:spTree>
     <p:extLst>
       <p:ext uri="{BB962C8B-B14F-4D97-AF65-F5344CB8AC3E}">
-        <p14:creationId xmlns:p14="http://schemas.microsoft.com/office/powerpoint/2010/main" val="1145897540"/>
+        <p14:creationId xmlns:p14="http://schemas.microsoft.com/office/powerpoint/2010/main" val="3354914832"/>
       </p:ext>
     </p:extLst>
   </p:cSld>
@@ -2672,19 +2788,8 @@
                 <a:ea typeface="+mn-ea"/>
                 <a:cs typeface="+mn-cs"/>
               </a:rPr>
-              <a:t>Three different areas to address: operations, faculty, external partners</a:t>
-            </a:r>
-          </a:p>
-          <a:p>
-            <a:endParaRPr lang="en-GB" sz="500" kern="1200" dirty="0">
-              <a:solidFill>
-                <a:schemeClr val="tx1"/>
-              </a:solidFill>
-              <a:effectLst/>
-              <a:latin typeface="+mn-lt"/>
-              <a:ea typeface="+mn-ea"/>
-              <a:cs typeface="+mn-cs"/>
-            </a:endParaRPr>
+              <a:t>Keith:</a:t>
+            </a:r>
           </a:p>
           <a:p>
             <a:r>
@@ -2697,7 +2802,7 @@
                 <a:ea typeface="+mn-ea"/>
                 <a:cs typeface="+mn-cs"/>
               </a:rPr>
-              <a:t>Operations</a:t>
+              <a:t>What is missing from the current data gathering</a:t>
             </a:r>
           </a:p>
           <a:p>
@@ -2711,418 +2816,81 @@
                 <a:ea typeface="+mn-ea"/>
                 <a:cs typeface="+mn-cs"/>
               </a:rPr>
-              <a:t>Need central place to track long rea samples – not suitable at the moment. Need one to track</a:t>
-            </a:r>
-          </a:p>
-          <a:p>
-            <a:r>
-              <a:rPr lang="en-GB" sz="500" kern="1200" dirty="0">
-                <a:solidFill>
-                  <a:schemeClr val="tx1"/>
-                </a:solidFill>
+              <a:t>Will LIMS be able to help</a:t>
+            </a:r>
+            <a:r>
+              <a:rPr lang="en-GB" dirty="0">
                 <a:effectLst/>
-                <a:latin typeface="+mn-lt"/>
-                <a:ea typeface="+mn-ea"/>
-                <a:cs typeface="+mn-cs"/>
-              </a:rPr>
-              <a:t>SS is wrong -&gt; Traction right</a:t>
-            </a:r>
-          </a:p>
-          <a:p>
-            <a:r>
-              <a:rPr lang="en-US" sz="500" kern="1200" dirty="0">
-                <a:solidFill>
-                  <a:schemeClr val="tx1"/>
-                </a:solidFill>
-                <a:effectLst/>
-                <a:latin typeface="+mn-lt"/>
-                <a:ea typeface="+mn-ea"/>
-                <a:cs typeface="+mn-cs"/>
-              </a:rPr>
-              <a:t>Diagram to show operations with a LIMS that doesn’t support long read -&gt; operation with LIMS that does </a:t>
-            </a:r>
-          </a:p>
-          <a:p>
-            <a:r>
-              <a:rPr lang="en-US" sz="500" kern="1200" dirty="0">
-                <a:solidFill>
-                  <a:schemeClr val="tx1"/>
-                </a:solidFill>
-                <a:effectLst/>
-                <a:latin typeface="+mn-lt"/>
-                <a:ea typeface="+mn-ea"/>
-                <a:cs typeface="+mn-cs"/>
-              </a:rPr>
-              <a:t>Tree of Life </a:t>
-            </a:r>
-            <a:endParaRPr lang="en-GB" sz="500" kern="1200" dirty="0">
-              <a:solidFill>
-                <a:schemeClr val="tx1"/>
-              </a:solidFill>
-              <a:effectLst/>
-              <a:latin typeface="+mn-lt"/>
-              <a:ea typeface="+mn-ea"/>
-              <a:cs typeface="+mn-cs"/>
-            </a:endParaRPr>
-          </a:p>
-          <a:p>
-            <a:endParaRPr lang="en-GB" sz="500" kern="1200" dirty="0">
-              <a:solidFill>
-                <a:schemeClr val="tx1"/>
-              </a:solidFill>
-              <a:effectLst/>
-              <a:latin typeface="+mn-lt"/>
-              <a:ea typeface="+mn-ea"/>
-              <a:cs typeface="+mn-cs"/>
-            </a:endParaRPr>
-          </a:p>
-          <a:p>
-            <a:endParaRPr lang="en-GB" sz="500" kern="1200" dirty="0">
-              <a:solidFill>
-                <a:schemeClr val="tx1"/>
-              </a:solidFill>
-              <a:effectLst/>
-              <a:latin typeface="+mn-lt"/>
-              <a:ea typeface="+mn-ea"/>
-              <a:cs typeface="+mn-cs"/>
-            </a:endParaRPr>
-          </a:p>
-          <a:p>
-            <a:r>
-              <a:rPr lang="en-GB" sz="500" kern="1200" dirty="0">
-                <a:solidFill>
-                  <a:schemeClr val="tx1"/>
-                </a:solidFill>
-                <a:effectLst/>
-                <a:latin typeface="+mn-lt"/>
-                <a:ea typeface="+mn-ea"/>
-                <a:cs typeface="+mn-cs"/>
-              </a:rPr>
-              <a:t>Faculty</a:t>
-            </a:r>
-          </a:p>
-          <a:p>
-            <a:r>
-              <a:rPr lang="en-GB" sz="500" kern="1200" dirty="0">
-                <a:solidFill>
-                  <a:schemeClr val="tx1"/>
-                </a:solidFill>
-                <a:effectLst/>
-                <a:latin typeface="+mn-lt"/>
-                <a:ea typeface="+mn-ea"/>
-                <a:cs typeface="+mn-cs"/>
-              </a:rPr>
-              <a:t>Need to be able to see what is going on with their samples and need to be able to analyse the data</a:t>
-            </a:r>
-          </a:p>
-          <a:p>
-            <a:r>
-              <a:rPr lang="en-GB" sz="500" kern="1200" dirty="0">
-                <a:solidFill>
-                  <a:schemeClr val="tx1"/>
-                </a:solidFill>
-                <a:effectLst/>
-                <a:latin typeface="+mn-lt"/>
-                <a:ea typeface="+mn-ea"/>
-                <a:cs typeface="+mn-cs"/>
-              </a:rPr>
-              <a:t>Karen</a:t>
-            </a:r>
-          </a:p>
-          <a:p>
-            <a:r>
-              <a:rPr lang="en-GB" sz="500" kern="1200" dirty="0">
-                <a:solidFill>
-                  <a:schemeClr val="tx1"/>
-                </a:solidFill>
-                <a:effectLst/>
-                <a:latin typeface="+mn-lt"/>
-                <a:ea typeface="+mn-ea"/>
-                <a:cs typeface="+mn-cs"/>
-              </a:rPr>
-              <a:t>Picture of Tree of Life</a:t>
-            </a:r>
-          </a:p>
-          <a:p>
-            <a:r>
-              <a:rPr lang="en-GB" sz="500" kern="1200" dirty="0">
-                <a:solidFill>
-                  <a:schemeClr val="tx1"/>
-                </a:solidFill>
-                <a:effectLst/>
-                <a:latin typeface="+mn-lt"/>
-                <a:ea typeface="+mn-ea"/>
-                <a:cs typeface="+mn-cs"/>
-              </a:rPr>
-              <a:t>Include stats of Tree of Life and Info</a:t>
-            </a:r>
-          </a:p>
-          <a:p>
-            <a:r>
-              <a:rPr lang="en-GB" sz="500" kern="1200" dirty="0">
-                <a:solidFill>
-                  <a:schemeClr val="tx1"/>
-                </a:solidFill>
-                <a:effectLst/>
-                <a:latin typeface="+mn-lt"/>
-                <a:ea typeface="+mn-ea"/>
-                <a:cs typeface="+mn-cs"/>
-              </a:rPr>
-              <a:t>Picture to show management of data </a:t>
-            </a:r>
-          </a:p>
-          <a:p>
-            <a:endParaRPr lang="en-GB" sz="500" kern="1200" dirty="0">
-              <a:solidFill>
-                <a:schemeClr val="tx1"/>
-              </a:solidFill>
-              <a:effectLst/>
-              <a:latin typeface="+mn-lt"/>
-              <a:ea typeface="+mn-ea"/>
-              <a:cs typeface="+mn-cs"/>
-            </a:endParaRPr>
-          </a:p>
-          <a:p>
-            <a:endParaRPr lang="en-GB" sz="500" kern="1200" dirty="0">
-              <a:solidFill>
-                <a:schemeClr val="tx1"/>
-              </a:solidFill>
-              <a:effectLst/>
-              <a:latin typeface="+mn-lt"/>
-              <a:ea typeface="+mn-ea"/>
-              <a:cs typeface="+mn-cs"/>
-            </a:endParaRPr>
-          </a:p>
-          <a:p>
-            <a:r>
-              <a:rPr lang="en-GB" sz="500" kern="1200" dirty="0">
-                <a:solidFill>
-                  <a:schemeClr val="tx1"/>
-                </a:solidFill>
-                <a:effectLst/>
-                <a:latin typeface="+mn-lt"/>
-                <a:ea typeface="+mn-ea"/>
-                <a:cs typeface="+mn-cs"/>
-              </a:rPr>
-              <a:t>External Partners</a:t>
-            </a:r>
-          </a:p>
-          <a:p>
-            <a:pPr marL="0" marR="0" lvl="0" indent="0" algn="l" defTabSz="415698" rtl="0" eaLnBrk="1" fontAlgn="auto" latinLnBrk="0" hangingPunct="1">
-              <a:lnSpc>
-                <a:spcPct val="100000"/>
-              </a:lnSpc>
-              <a:spcBef>
-                <a:spcPts val="0"/>
-              </a:spcBef>
-              <a:spcAft>
-                <a:spcPts val="0"/>
-              </a:spcAft>
-              <a:buClrTx/>
-              <a:buSzTx/>
-              <a:buFontTx/>
-              <a:buNone/>
-              <a:tabLst/>
-              <a:defRPr/>
-            </a:pPr>
-            <a:r>
-              <a:rPr lang="en-GB" sz="500" kern="1200" dirty="0">
-                <a:solidFill>
-                  <a:schemeClr val="tx1"/>
-                </a:solidFill>
-                <a:effectLst/>
-                <a:latin typeface="+mn-lt"/>
-                <a:ea typeface="+mn-ea"/>
-                <a:cs typeface="+mn-cs"/>
-              </a:rPr>
-              <a:t>Talk to Naomi – give better idea of what they want, and how to visualise it</a:t>
-            </a:r>
-          </a:p>
-          <a:p>
-            <a:pPr marL="0" marR="0" lvl="0" indent="0" algn="l" defTabSz="415698" rtl="0" eaLnBrk="1" fontAlgn="auto" latinLnBrk="0" hangingPunct="1">
-              <a:lnSpc>
-                <a:spcPct val="100000"/>
-              </a:lnSpc>
-              <a:spcBef>
-                <a:spcPts val="0"/>
-              </a:spcBef>
-              <a:spcAft>
-                <a:spcPts val="0"/>
-              </a:spcAft>
-              <a:buClrTx/>
-              <a:buSzTx/>
-              <a:buFontTx/>
-              <a:buNone/>
-              <a:tabLst/>
-              <a:defRPr/>
-            </a:pPr>
-            <a:r>
-              <a:rPr lang="en-GB" sz="500" kern="1200" dirty="0">
-                <a:solidFill>
-                  <a:schemeClr val="tx1"/>
-                </a:solidFill>
-                <a:effectLst/>
-                <a:latin typeface="+mn-lt"/>
-                <a:ea typeface="+mn-ea"/>
-                <a:cs typeface="+mn-cs"/>
-              </a:rPr>
-              <a:t>Natural History </a:t>
-            </a:r>
-            <a:r>
-              <a:rPr lang="en-GB" sz="500" kern="1200" dirty="0" err="1">
-                <a:solidFill>
-                  <a:schemeClr val="tx1"/>
-                </a:solidFill>
-                <a:effectLst/>
-                <a:latin typeface="+mn-lt"/>
-                <a:ea typeface="+mn-ea"/>
-                <a:cs typeface="+mn-cs"/>
-              </a:rPr>
-              <a:t>Musuem</a:t>
-            </a:r>
-            <a:r>
-              <a:rPr lang="en-GB" sz="500" kern="1200" dirty="0">
-                <a:solidFill>
-                  <a:schemeClr val="tx1"/>
-                </a:solidFill>
-                <a:effectLst/>
-                <a:latin typeface="+mn-lt"/>
-                <a:ea typeface="+mn-ea"/>
-                <a:cs typeface="+mn-cs"/>
               </a:rPr>
               <a:t> </a:t>
             </a:r>
           </a:p>
           <a:p>
-            <a:pPr marL="0" marR="0" lvl="0" indent="0" algn="l" defTabSz="415698" rtl="0" eaLnBrk="1" fontAlgn="auto" latinLnBrk="0" hangingPunct="1">
-              <a:lnSpc>
-                <a:spcPct val="100000"/>
-              </a:lnSpc>
-              <a:spcBef>
-                <a:spcPts val="0"/>
-              </a:spcBef>
-              <a:spcAft>
-                <a:spcPts val="0"/>
-              </a:spcAft>
-              <a:buClrTx/>
-              <a:buSzTx/>
-              <a:buFontTx/>
-              <a:buNone/>
-              <a:tabLst/>
-              <a:defRPr/>
-            </a:pPr>
-            <a:r>
-              <a:rPr lang="en-GB" sz="500" kern="1200" dirty="0">
-                <a:solidFill>
-                  <a:schemeClr val="tx1"/>
-                </a:solidFill>
+            <a:endParaRPr lang="en-GB" dirty="0">
+              <a:effectLst/>
+            </a:endParaRPr>
+          </a:p>
+          <a:p>
+            <a:r>
+              <a:rPr lang="en-GB" dirty="0">
                 <a:effectLst/>
-                <a:latin typeface="+mn-lt"/>
-                <a:ea typeface="+mn-ea"/>
-                <a:cs typeface="+mn-cs"/>
-              </a:rPr>
-              <a:t>Image of NHM </a:t>
-            </a:r>
-          </a:p>
-          <a:p>
-            <a:endParaRPr lang="en-US" sz="500" kern="1200" dirty="0">
-              <a:solidFill>
-                <a:schemeClr val="tx1"/>
-              </a:solidFill>
-              <a:effectLst/>
-              <a:latin typeface="+mn-lt"/>
-              <a:ea typeface="+mn-ea"/>
-              <a:cs typeface="+mn-cs"/>
-            </a:endParaRPr>
-          </a:p>
-          <a:p>
-            <a:endParaRPr lang="en-US" sz="500" kern="1200" dirty="0">
-              <a:solidFill>
-                <a:schemeClr val="tx1"/>
-              </a:solidFill>
-              <a:effectLst/>
-              <a:latin typeface="+mn-lt"/>
-              <a:ea typeface="+mn-ea"/>
-              <a:cs typeface="+mn-cs"/>
-            </a:endParaRPr>
-          </a:p>
-          <a:p>
-            <a:r>
-              <a:rPr lang="en-US" sz="500" kern="1200" dirty="0">
-                <a:solidFill>
-                  <a:schemeClr val="tx1"/>
-                </a:solidFill>
-                <a:effectLst/>
-                <a:latin typeface="+mn-lt"/>
-                <a:ea typeface="+mn-ea"/>
-                <a:cs typeface="+mn-cs"/>
               </a:rPr>
               <a:t>ACTIONS:</a:t>
             </a:r>
           </a:p>
           <a:p>
-            <a:endParaRPr lang="en-US" sz="500" kern="1200" dirty="0">
-              <a:solidFill>
-                <a:schemeClr val="tx1"/>
-              </a:solidFill>
+            <a:endParaRPr lang="en-GB" dirty="0">
               <a:effectLst/>
-              <a:latin typeface="+mn-lt"/>
-              <a:ea typeface="+mn-ea"/>
-              <a:cs typeface="+mn-cs"/>
             </a:endParaRPr>
           </a:p>
           <a:p>
             <a:r>
-              <a:rPr lang="en-US" sz="500" kern="1200" dirty="0">
-                <a:solidFill>
-                  <a:schemeClr val="tx1"/>
-                </a:solidFill>
+              <a:rPr lang="en-GB" dirty="0">
                 <a:effectLst/>
-                <a:latin typeface="+mn-lt"/>
-                <a:ea typeface="+mn-ea"/>
-                <a:cs typeface="+mn-cs"/>
               </a:rPr>
-              <a:t>Speaking to Naomi – get better idea for the external partner</a:t>
-            </a:r>
-          </a:p>
-          <a:p>
-            <a:r>
-              <a:rPr lang="en-US" sz="500" kern="1200" dirty="0">
-                <a:solidFill>
-                  <a:schemeClr val="tx1"/>
-                </a:solidFill>
+              <a:t>Speak to Keith</a:t>
+            </a:r>
+          </a:p>
+          <a:p>
+            <a:r>
+              <a:rPr lang="en-GB" dirty="0">
                 <a:effectLst/>
-                <a:latin typeface="+mn-lt"/>
-                <a:ea typeface="+mn-ea"/>
-                <a:cs typeface="+mn-cs"/>
               </a:rPr>
-              <a:t>Get stats for Tree of Life for Faculty</a:t>
-            </a:r>
-          </a:p>
-          <a:p>
-            <a:r>
-              <a:rPr lang="en-US" sz="500" kern="1200" dirty="0">
-                <a:solidFill>
-                  <a:schemeClr val="tx1"/>
-                </a:solidFill>
+              <a:t>Get quote from Keith</a:t>
+            </a:r>
+          </a:p>
+          <a:p>
+            <a:r>
+              <a:rPr lang="en-GB" dirty="0">
                 <a:effectLst/>
-                <a:latin typeface="+mn-lt"/>
-                <a:ea typeface="+mn-ea"/>
-                <a:cs typeface="+mn-cs"/>
               </a:rPr>
-              <a:t>Draw something up to show SS = old, Traction new</a:t>
-            </a:r>
-          </a:p>
-          <a:p>
-            <a:endParaRPr lang="en-US" sz="500" kern="1200" dirty="0">
-              <a:solidFill>
-                <a:schemeClr val="tx1"/>
-              </a:solidFill>
-              <a:effectLst/>
-              <a:latin typeface="+mn-lt"/>
-              <a:ea typeface="+mn-ea"/>
-              <a:cs typeface="+mn-cs"/>
-            </a:endParaRPr>
+              <a:t>Get idea from Keith</a:t>
+            </a:r>
+          </a:p>
+          <a:p>
+            <a:r>
+              <a:rPr lang="en-GB" dirty="0">
+                <a:effectLst/>
+              </a:rPr>
+              <a:t>What you have to do without LIMS</a:t>
+            </a:r>
+          </a:p>
+          <a:p>
+            <a:r>
+              <a:rPr lang="en-GB" dirty="0">
+                <a:effectLst/>
+              </a:rPr>
+              <a:t>What you have to do with LIMS</a:t>
+            </a:r>
+          </a:p>
+          <a:p>
+            <a:r>
+              <a:rPr lang="en-GB" dirty="0">
+                <a:effectLst/>
+              </a:rPr>
+              <a:t>Get images that reflect his work</a:t>
+            </a:r>
+            <a:endParaRPr lang="en-US" dirty="0"/>
           </a:p>
         </p:txBody>
       </p:sp>
@@ -3143,7 +2911,7 @@
           <a:p>
             <a:fld id="{6A2F9BBA-A9BD-6344-AA98-520E3FE767FB}" type="slidenum">
               <a:rPr lang="en-US" smtClean="0"/>
-              <a:t>5</a:t>
+              <a:t>4</a:t>
             </a:fld>
             <a:endParaRPr lang="en-US"/>
           </a:p>
@@ -3152,7 +2920,7 @@
     </p:spTree>
     <p:extLst>
       <p:ext uri="{BB962C8B-B14F-4D97-AF65-F5344CB8AC3E}">
-        <p14:creationId xmlns:p14="http://schemas.microsoft.com/office/powerpoint/2010/main" val="3345185190"/>
+        <p14:creationId xmlns:p14="http://schemas.microsoft.com/office/powerpoint/2010/main" val="1145897540"/>
       </p:ext>
     </p:extLst>
   </p:cSld>
@@ -3216,8 +2984,19 @@
                 <a:ea typeface="+mn-ea"/>
                 <a:cs typeface="+mn-cs"/>
               </a:rPr>
-              <a:t>Agile</a:t>
-            </a:r>
+              <a:t>Three different areas to address: operations, faculty, external partners</a:t>
+            </a:r>
+          </a:p>
+          <a:p>
+            <a:endParaRPr lang="en-GB" sz="500" kern="1200" dirty="0">
+              <a:solidFill>
+                <a:schemeClr val="tx1"/>
+              </a:solidFill>
+              <a:effectLst/>
+              <a:latin typeface="+mn-lt"/>
+              <a:ea typeface="+mn-ea"/>
+              <a:cs typeface="+mn-cs"/>
+            </a:endParaRPr>
           </a:p>
           <a:p>
             <a:r>
@@ -3230,7 +3009,7 @@
                 <a:ea typeface="+mn-ea"/>
                 <a:cs typeface="+mn-cs"/>
               </a:rPr>
-              <a:t>Sprint</a:t>
+              <a:t>Operations</a:t>
             </a:r>
           </a:p>
           <a:p>
@@ -3244,7 +3023,7 @@
                 <a:ea typeface="+mn-ea"/>
                 <a:cs typeface="+mn-cs"/>
               </a:rPr>
-              <a:t>Planning</a:t>
+              <a:t>Need central place to track long rea samples – not suitable at the moment. Need one to track</a:t>
             </a:r>
           </a:p>
           <a:p>
@@ -3258,12 +3037,12 @@
                 <a:ea typeface="+mn-ea"/>
                 <a:cs typeface="+mn-cs"/>
               </a:rPr>
-              <a:t>Stand ups</a:t>
-            </a:r>
-          </a:p>
-          <a:p>
-            <a:r>
-              <a:rPr lang="en-GB" sz="500" kern="1200" dirty="0">
+              <a:t>SS is wrong -&gt; Traction right</a:t>
+            </a:r>
+          </a:p>
+          <a:p>
+            <a:r>
+              <a:rPr lang="en-US" sz="500" kern="1200" dirty="0">
                 <a:solidFill>
                   <a:schemeClr val="tx1"/>
                 </a:solidFill>
@@ -3272,12 +3051,12 @@
                 <a:ea typeface="+mn-ea"/>
                 <a:cs typeface="+mn-cs"/>
               </a:rPr>
-              <a:t>Stories</a:t>
-            </a:r>
-          </a:p>
-          <a:p>
-            <a:r>
-              <a:rPr lang="en-GB" sz="500" kern="1200" dirty="0">
+              <a:t>Diagram to show operations with a LIMS that doesn’t support long read -&gt; operation with LIMS that does </a:t>
+            </a:r>
+          </a:p>
+          <a:p>
+            <a:r>
+              <a:rPr lang="en-US" sz="500" kern="1200" dirty="0">
                 <a:solidFill>
                   <a:schemeClr val="tx1"/>
                 </a:solidFill>
@@ -3286,8 +3065,39 @@
                 <a:ea typeface="+mn-ea"/>
                 <a:cs typeface="+mn-cs"/>
               </a:rPr>
-              <a:t>Tasking</a:t>
-            </a:r>
+              <a:t>Tree of Life </a:t>
+            </a:r>
+            <a:endParaRPr lang="en-GB" sz="500" kern="1200" dirty="0">
+              <a:solidFill>
+                <a:schemeClr val="tx1"/>
+              </a:solidFill>
+              <a:effectLst/>
+              <a:latin typeface="+mn-lt"/>
+              <a:ea typeface="+mn-ea"/>
+              <a:cs typeface="+mn-cs"/>
+            </a:endParaRPr>
+          </a:p>
+          <a:p>
+            <a:endParaRPr lang="en-GB" sz="500" kern="1200" dirty="0">
+              <a:solidFill>
+                <a:schemeClr val="tx1"/>
+              </a:solidFill>
+              <a:effectLst/>
+              <a:latin typeface="+mn-lt"/>
+              <a:ea typeface="+mn-ea"/>
+              <a:cs typeface="+mn-cs"/>
+            </a:endParaRPr>
+          </a:p>
+          <a:p>
+            <a:endParaRPr lang="en-GB" sz="500" kern="1200" dirty="0">
+              <a:solidFill>
+                <a:schemeClr val="tx1"/>
+              </a:solidFill>
+              <a:effectLst/>
+              <a:latin typeface="+mn-lt"/>
+              <a:ea typeface="+mn-ea"/>
+              <a:cs typeface="+mn-cs"/>
+            </a:endParaRPr>
           </a:p>
           <a:p>
             <a:r>
@@ -3300,7 +3110,7 @@
                 <a:ea typeface="+mn-ea"/>
                 <a:cs typeface="+mn-cs"/>
               </a:rPr>
-              <a:t>Prototyping</a:t>
+              <a:t>Faculty</a:t>
             </a:r>
           </a:p>
           <a:p>
@@ -3314,7 +3124,7 @@
                 <a:ea typeface="+mn-ea"/>
                 <a:cs typeface="+mn-cs"/>
               </a:rPr>
-              <a:t>Code review</a:t>
+              <a:t>Will be able to know that the sample that went in matches the data that came out.</a:t>
             </a:r>
           </a:p>
           <a:p>
@@ -3328,7 +3138,7 @@
                 <a:ea typeface="+mn-ea"/>
                 <a:cs typeface="+mn-cs"/>
               </a:rPr>
-              <a:t>Merge</a:t>
+              <a:t>Have an idea of where the sample are in the workflow e.g. QC</a:t>
             </a:r>
           </a:p>
           <a:p>
@@ -3342,7 +3152,7 @@
                 <a:ea typeface="+mn-ea"/>
                 <a:cs typeface="+mn-cs"/>
               </a:rPr>
-              <a:t>Deploy</a:t>
+              <a:t>Correlate sample with output</a:t>
             </a:r>
           </a:p>
           <a:p>
@@ -3356,7 +3166,7 @@
                 <a:ea typeface="+mn-ea"/>
                 <a:cs typeface="+mn-cs"/>
               </a:rPr>
-              <a:t>Test</a:t>
+              <a:t>Know whether there is still sample material left for further analysis</a:t>
             </a:r>
           </a:p>
           <a:p>
@@ -3370,7 +3180,7 @@
                 <a:ea typeface="+mn-ea"/>
                 <a:cs typeface="+mn-cs"/>
               </a:rPr>
-              <a:t>UAT</a:t>
+              <a:t>Need to be able to see what is going on with their samples and need to be able to analyse the data</a:t>
             </a:r>
           </a:p>
           <a:p>
@@ -3384,61 +3194,420 @@
                 <a:ea typeface="+mn-ea"/>
                 <a:cs typeface="+mn-cs"/>
               </a:rPr>
-              <a:t>production</a:t>
-            </a:r>
-            <a:r>
-              <a:rPr lang="en-GB" dirty="0">
+              <a:t>Karen</a:t>
+            </a:r>
+          </a:p>
+          <a:p>
+            <a:r>
+              <a:rPr lang="en-GB" sz="500" kern="1200" dirty="0">
+                <a:solidFill>
+                  <a:schemeClr val="tx1"/>
+                </a:solidFill>
                 <a:effectLst/>
+                <a:latin typeface="+mn-lt"/>
+                <a:ea typeface="+mn-ea"/>
+                <a:cs typeface="+mn-cs"/>
+              </a:rPr>
+              <a:t>Picture of Tree of Life</a:t>
+            </a:r>
+          </a:p>
+          <a:p>
+            <a:r>
+              <a:rPr lang="en-GB" sz="500" kern="1200" dirty="0">
+                <a:solidFill>
+                  <a:schemeClr val="tx1"/>
+                </a:solidFill>
+                <a:effectLst/>
+                <a:latin typeface="+mn-lt"/>
+                <a:ea typeface="+mn-ea"/>
+                <a:cs typeface="+mn-cs"/>
+              </a:rPr>
+              <a:t>Include stats of Tree of Life and Info</a:t>
+            </a:r>
+          </a:p>
+          <a:p>
+            <a:r>
+              <a:rPr lang="en-GB" sz="500" kern="1200" dirty="0">
+                <a:solidFill>
+                  <a:schemeClr val="tx1"/>
+                </a:solidFill>
+                <a:effectLst/>
+                <a:latin typeface="+mn-lt"/>
+                <a:ea typeface="+mn-ea"/>
+                <a:cs typeface="+mn-cs"/>
+              </a:rPr>
+              <a:t>Picture to show management of data </a:t>
+            </a:r>
+          </a:p>
+          <a:p>
+            <a:endParaRPr lang="en-GB" sz="500" kern="1200" dirty="0">
+              <a:solidFill>
+                <a:schemeClr val="tx1"/>
+              </a:solidFill>
+              <a:effectLst/>
+              <a:latin typeface="+mn-lt"/>
+              <a:ea typeface="+mn-ea"/>
+              <a:cs typeface="+mn-cs"/>
+            </a:endParaRPr>
+          </a:p>
+          <a:p>
+            <a:r>
+              <a:rPr lang="en-GB" sz="500" kern="1200" dirty="0">
+                <a:solidFill>
+                  <a:schemeClr val="tx1"/>
+                </a:solidFill>
+                <a:effectLst/>
+                <a:latin typeface="+mn-lt"/>
+                <a:ea typeface="+mn-ea"/>
+                <a:cs typeface="+mn-cs"/>
+              </a:rPr>
+              <a:t>External Partners</a:t>
+            </a:r>
+          </a:p>
+          <a:p>
+            <a:r>
+              <a:rPr lang="en-GB" sz="500" kern="1200" dirty="0">
+                <a:solidFill>
+                  <a:schemeClr val="tx1"/>
+                </a:solidFill>
+                <a:effectLst/>
+                <a:latin typeface="+mn-lt"/>
+                <a:ea typeface="+mn-ea"/>
+                <a:cs typeface="+mn-cs"/>
+              </a:rPr>
+              <a:t>Do they need to use our data?</a:t>
+            </a:r>
+          </a:p>
+          <a:p>
+            <a:pPr marL="0" marR="0" lvl="0" indent="0" algn="l" defTabSz="415698" rtl="0" eaLnBrk="1" fontAlgn="auto" latinLnBrk="0" hangingPunct="1">
+              <a:lnSpc>
+                <a:spcPct val="100000"/>
+              </a:lnSpc>
+              <a:spcBef>
+                <a:spcPts val="0"/>
+              </a:spcBef>
+              <a:spcAft>
+                <a:spcPts val="0"/>
+              </a:spcAft>
+              <a:buClrTx/>
+              <a:buSzTx/>
+              <a:buFontTx/>
+              <a:buNone/>
+              <a:tabLst/>
+              <a:defRPr/>
+            </a:pPr>
+            <a:r>
+              <a:rPr lang="en-GB" sz="500" kern="1200" dirty="0">
+                <a:solidFill>
+                  <a:schemeClr val="tx1"/>
+                </a:solidFill>
+                <a:effectLst/>
+                <a:latin typeface="+mn-lt"/>
+                <a:ea typeface="+mn-ea"/>
+                <a:cs typeface="+mn-cs"/>
+              </a:rPr>
+              <a:t>Talk to Naomi – give better idea of what they want, and how to visualise it</a:t>
+            </a:r>
+          </a:p>
+          <a:p>
+            <a:pPr marL="0" marR="0" lvl="0" indent="0" algn="l" defTabSz="415698" rtl="0" eaLnBrk="1" fontAlgn="auto" latinLnBrk="0" hangingPunct="1">
+              <a:lnSpc>
+                <a:spcPct val="100000"/>
+              </a:lnSpc>
+              <a:spcBef>
+                <a:spcPts val="0"/>
+              </a:spcBef>
+              <a:spcAft>
+                <a:spcPts val="0"/>
+              </a:spcAft>
+              <a:buClrTx/>
+              <a:buSzTx/>
+              <a:buFontTx/>
+              <a:buNone/>
+              <a:tabLst/>
+              <a:defRPr/>
+            </a:pPr>
+            <a:r>
+              <a:rPr lang="en-GB" sz="500" kern="1200" dirty="0">
+                <a:solidFill>
+                  <a:schemeClr val="tx1"/>
+                </a:solidFill>
+                <a:effectLst/>
+                <a:latin typeface="+mn-lt"/>
+                <a:ea typeface="+mn-ea"/>
+                <a:cs typeface="+mn-cs"/>
+              </a:rPr>
+              <a:t>Natural History </a:t>
+            </a:r>
+            <a:r>
+              <a:rPr lang="en-GB" sz="500" kern="1200" dirty="0" err="1">
+                <a:solidFill>
+                  <a:schemeClr val="tx1"/>
+                </a:solidFill>
+                <a:effectLst/>
+                <a:latin typeface="+mn-lt"/>
+                <a:ea typeface="+mn-ea"/>
+                <a:cs typeface="+mn-cs"/>
+              </a:rPr>
+              <a:t>Musuem</a:t>
+            </a:r>
+            <a:r>
+              <a:rPr lang="en-GB" sz="500" kern="1200" dirty="0">
+                <a:solidFill>
+                  <a:schemeClr val="tx1"/>
+                </a:solidFill>
+                <a:effectLst/>
+                <a:latin typeface="+mn-lt"/>
+                <a:ea typeface="+mn-ea"/>
+                <a:cs typeface="+mn-cs"/>
               </a:rPr>
               <a:t> </a:t>
             </a:r>
           </a:p>
           <a:p>
-            <a:endParaRPr lang="en-GB" dirty="0">
+            <a:pPr marL="0" marR="0" lvl="0" indent="0" algn="l" defTabSz="415698" rtl="0" eaLnBrk="1" fontAlgn="auto" latinLnBrk="0" hangingPunct="1">
+              <a:lnSpc>
+                <a:spcPct val="100000"/>
+              </a:lnSpc>
+              <a:spcBef>
+                <a:spcPts val="0"/>
+              </a:spcBef>
+              <a:spcAft>
+                <a:spcPts val="0"/>
+              </a:spcAft>
+              <a:buClrTx/>
+              <a:buSzTx/>
+              <a:buFontTx/>
+              <a:buNone/>
+              <a:tabLst/>
+              <a:defRPr/>
+            </a:pPr>
+            <a:r>
+              <a:rPr lang="en-GB" sz="500" kern="1200" dirty="0">
+                <a:solidFill>
+                  <a:schemeClr val="tx1"/>
+                </a:solidFill>
+                <a:effectLst/>
+                <a:latin typeface="+mn-lt"/>
+                <a:ea typeface="+mn-ea"/>
+                <a:cs typeface="+mn-cs"/>
+              </a:rPr>
+              <a:t>Image of NHM </a:t>
+            </a:r>
+          </a:p>
+          <a:p>
+            <a:pPr marL="0" marR="0" lvl="0" indent="0" algn="l" defTabSz="415698" rtl="0" eaLnBrk="1" fontAlgn="auto" latinLnBrk="0" hangingPunct="1">
+              <a:lnSpc>
+                <a:spcPct val="100000"/>
+              </a:lnSpc>
+              <a:spcBef>
+                <a:spcPts val="0"/>
+              </a:spcBef>
+              <a:spcAft>
+                <a:spcPts val="0"/>
+              </a:spcAft>
+              <a:buClrTx/>
+              <a:buSzTx/>
+              <a:buFontTx/>
+              <a:buNone/>
+              <a:tabLst/>
+              <a:defRPr/>
+            </a:pPr>
+            <a:endParaRPr lang="en-GB" sz="500" kern="1200" dirty="0">
+              <a:solidFill>
+                <a:schemeClr val="tx1"/>
+              </a:solidFill>
               <a:effectLst/>
+              <a:latin typeface="+mn-lt"/>
+              <a:ea typeface="+mn-ea"/>
+              <a:cs typeface="+mn-cs"/>
             </a:endParaRPr>
           </a:p>
           <a:p>
-            <a:r>
-              <a:rPr lang="en-GB" dirty="0">
+            <a:pPr marL="0" marR="0" lvl="0" indent="0" algn="l" defTabSz="415698" rtl="0" eaLnBrk="1" fontAlgn="auto" latinLnBrk="0" hangingPunct="1">
+              <a:lnSpc>
+                <a:spcPct val="100000"/>
+              </a:lnSpc>
+              <a:spcBef>
+                <a:spcPts val="0"/>
+              </a:spcBef>
+              <a:spcAft>
+                <a:spcPts val="0"/>
+              </a:spcAft>
+              <a:buClrTx/>
+              <a:buSzTx/>
+              <a:buFontTx/>
+              <a:buNone/>
+              <a:tabLst/>
+              <a:defRPr/>
+            </a:pPr>
+            <a:r>
+              <a:rPr lang="en-GB" sz="500" kern="1200" dirty="0">
+                <a:solidFill>
+                  <a:schemeClr val="tx1"/>
+                </a:solidFill>
                 <a:effectLst/>
+                <a:latin typeface="+mn-lt"/>
+                <a:ea typeface="+mn-ea"/>
+                <a:cs typeface="+mn-cs"/>
               </a:rPr>
-              <a:t>Lots of image of techy processes</a:t>
-            </a:r>
-          </a:p>
-          <a:p>
-            <a:endParaRPr lang="en-GB" dirty="0">
+              <a:t>R&amp;D</a:t>
+            </a:r>
+          </a:p>
+          <a:p>
+            <a:pPr marL="0" marR="0" lvl="0" indent="0" algn="l" defTabSz="415698" rtl="0" eaLnBrk="1" fontAlgn="auto" latinLnBrk="0" hangingPunct="1">
+              <a:lnSpc>
+                <a:spcPct val="100000"/>
+              </a:lnSpc>
+              <a:spcBef>
+                <a:spcPts val="0"/>
+              </a:spcBef>
+              <a:spcAft>
+                <a:spcPts val="0"/>
+              </a:spcAft>
+              <a:buClrTx/>
+              <a:buSzTx/>
+              <a:buFontTx/>
+              <a:buNone/>
+              <a:tabLst/>
+              <a:defRPr/>
+            </a:pPr>
+            <a:r>
+              <a:rPr lang="en-GB" sz="500" kern="1200" dirty="0">
+                <a:solidFill>
+                  <a:schemeClr val="tx1"/>
+                </a:solidFill>
+                <a:effectLst/>
+                <a:latin typeface="+mn-lt"/>
+                <a:ea typeface="+mn-ea"/>
+                <a:cs typeface="+mn-cs"/>
+              </a:rPr>
+              <a:t>With LIMS tracking we will have all of the historical data e.g. method of extractions which we can </a:t>
+            </a:r>
+            <a:r>
+              <a:rPr lang="en-GB" sz="500" kern="1200" dirty="0" err="1">
+                <a:solidFill>
+                  <a:schemeClr val="tx1"/>
+                </a:solidFill>
+                <a:effectLst/>
+                <a:latin typeface="+mn-lt"/>
+                <a:ea typeface="+mn-ea"/>
+                <a:cs typeface="+mn-cs"/>
+              </a:rPr>
+              <a:t>correllate</a:t>
+            </a:r>
+            <a:r>
+              <a:rPr lang="en-GB" sz="500" kern="1200" dirty="0">
+                <a:solidFill>
+                  <a:schemeClr val="tx1"/>
+                </a:solidFill>
+                <a:effectLst/>
+                <a:latin typeface="+mn-lt"/>
+                <a:ea typeface="+mn-ea"/>
+                <a:cs typeface="+mn-cs"/>
+              </a:rPr>
+              <a:t> with the sequencing data to give us an idea of how we can improve pipelines in the future.</a:t>
+            </a:r>
+          </a:p>
+          <a:p>
+            <a:endParaRPr lang="en-US" sz="500" kern="1200" dirty="0">
+              <a:solidFill>
+                <a:schemeClr val="tx1"/>
+              </a:solidFill>
               <a:effectLst/>
+              <a:latin typeface="+mn-lt"/>
+              <a:ea typeface="+mn-ea"/>
+              <a:cs typeface="+mn-cs"/>
             </a:endParaRPr>
           </a:p>
           <a:p>
-            <a:r>
-              <a:rPr lang="en-GB" dirty="0">
+            <a:endParaRPr lang="en-US" sz="500" kern="1200" dirty="0">
+              <a:solidFill>
+                <a:schemeClr val="tx1"/>
+              </a:solidFill>
+              <a:effectLst/>
+              <a:latin typeface="+mn-lt"/>
+              <a:ea typeface="+mn-ea"/>
+              <a:cs typeface="+mn-cs"/>
+            </a:endParaRPr>
+          </a:p>
+          <a:p>
+            <a:r>
+              <a:rPr lang="en-US" sz="500" kern="1200" dirty="0">
+                <a:solidFill>
+                  <a:schemeClr val="tx1"/>
+                </a:solidFill>
                 <a:effectLst/>
+                <a:latin typeface="+mn-lt"/>
+                <a:ea typeface="+mn-ea"/>
+                <a:cs typeface="+mn-cs"/>
               </a:rPr>
               <a:t>ACTIONS:</a:t>
             </a:r>
           </a:p>
           <a:p>
-            <a:endParaRPr lang="en-GB" dirty="0">
+            <a:endParaRPr lang="en-US" sz="500" kern="1200" dirty="0">
+              <a:solidFill>
+                <a:schemeClr val="tx1"/>
+              </a:solidFill>
               <a:effectLst/>
+              <a:latin typeface="+mn-lt"/>
+              <a:ea typeface="+mn-ea"/>
+              <a:cs typeface="+mn-cs"/>
             </a:endParaRPr>
           </a:p>
           <a:p>
             <a:r>
-              <a:rPr lang="en-GB" dirty="0">
+              <a:rPr lang="en-US" sz="500" kern="1200" dirty="0">
+                <a:solidFill>
+                  <a:schemeClr val="tx1"/>
+                </a:solidFill>
                 <a:effectLst/>
+                <a:latin typeface="+mn-lt"/>
+                <a:ea typeface="+mn-ea"/>
+                <a:cs typeface="+mn-cs"/>
               </a:rPr>
-              <a:t>Get pictures from Mark of stand ups</a:t>
-            </a:r>
-          </a:p>
-          <a:p>
-            <a:endParaRPr lang="en-GB" dirty="0">
+              <a:t>Speaking to Naomi – get better idea for the external partner</a:t>
+            </a:r>
+          </a:p>
+          <a:p>
+            <a:r>
+              <a:rPr lang="en-US" sz="500" kern="1200" dirty="0">
+                <a:solidFill>
+                  <a:schemeClr val="tx1"/>
+                </a:solidFill>
+                <a:effectLst/>
+                <a:latin typeface="+mn-lt"/>
+                <a:ea typeface="+mn-ea"/>
+                <a:cs typeface="+mn-cs"/>
+              </a:rPr>
+              <a:t>Get stats for Tree of Life for Faculty</a:t>
+            </a:r>
+          </a:p>
+          <a:p>
+            <a:r>
+              <a:rPr lang="en-US" sz="500" kern="1200" dirty="0">
+                <a:solidFill>
+                  <a:schemeClr val="tx1"/>
+                </a:solidFill>
+                <a:effectLst/>
+                <a:latin typeface="+mn-lt"/>
+                <a:ea typeface="+mn-ea"/>
+                <a:cs typeface="+mn-cs"/>
+              </a:rPr>
+              <a:t>Draw something up to show SS = old, Traction new</a:t>
+            </a:r>
+          </a:p>
+          <a:p>
+            <a:endParaRPr lang="en-US" sz="500" kern="1200" dirty="0">
+              <a:solidFill>
+                <a:schemeClr val="tx1"/>
+              </a:solidFill>
               <a:effectLst/>
+              <a:latin typeface="+mn-lt"/>
+              <a:ea typeface="+mn-ea"/>
+              <a:cs typeface="+mn-cs"/>
             </a:endParaRPr>
-          </a:p>
-          <a:p>
-            <a:endParaRPr lang="en-US" dirty="0"/>
           </a:p>
         </p:txBody>
       </p:sp>
@@ -3459,7 +3628,7 @@
           <a:p>
             <a:fld id="{6A2F9BBA-A9BD-6344-AA98-520E3FE767FB}" type="slidenum">
               <a:rPr lang="en-US" smtClean="0"/>
-              <a:t>7</a:t>
+              <a:t>5</a:t>
             </a:fld>
             <a:endParaRPr lang="en-US"/>
           </a:p>
@@ -3468,7 +3637,7 @@
     </p:spTree>
     <p:extLst>
       <p:ext uri="{BB962C8B-B14F-4D97-AF65-F5344CB8AC3E}">
-        <p14:creationId xmlns:p14="http://schemas.microsoft.com/office/powerpoint/2010/main" val="2225431022"/>
+        <p14:creationId xmlns:p14="http://schemas.microsoft.com/office/powerpoint/2010/main" val="3345185190"/>
       </p:ext>
     </p:extLst>
   </p:cSld>
@@ -3522,7 +3691,6 @@
           <a:bodyPr/>
           <a:lstStyle/>
           <a:p>
-            <a:pPr lvl="0"/>
             <a:r>
               <a:rPr lang="en-GB" sz="500" kern="1200" dirty="0">
                 <a:solidFill>
@@ -3533,7 +3701,7 @@
                 <a:ea typeface="+mn-ea"/>
                 <a:cs typeface="+mn-cs"/>
               </a:rPr>
-              <a:t>Customer interaction</a:t>
+              <a:t>Agile</a:t>
             </a:r>
           </a:p>
           <a:p>
@@ -3547,7 +3715,7 @@
                 <a:ea typeface="+mn-ea"/>
                 <a:cs typeface="+mn-cs"/>
               </a:rPr>
-              <a:t> </a:t>
+              <a:t>Sprint</a:t>
             </a:r>
           </a:p>
           <a:p>
@@ -3561,7 +3729,7 @@
                 <a:ea typeface="+mn-ea"/>
                 <a:cs typeface="+mn-cs"/>
               </a:rPr>
-              <a:t>Understanding their process </a:t>
+              <a:t>Planning</a:t>
             </a:r>
           </a:p>
           <a:p>
@@ -3575,7 +3743,105 @@
                 <a:ea typeface="+mn-ea"/>
                 <a:cs typeface="+mn-cs"/>
               </a:rPr>
-              <a:t>Design meetings</a:t>
+              <a:t>Stand ups</a:t>
+            </a:r>
+          </a:p>
+          <a:p>
+            <a:r>
+              <a:rPr lang="en-GB" sz="500" kern="1200" dirty="0">
+                <a:solidFill>
+                  <a:schemeClr val="tx1"/>
+                </a:solidFill>
+                <a:effectLst/>
+                <a:latin typeface="+mn-lt"/>
+                <a:ea typeface="+mn-ea"/>
+                <a:cs typeface="+mn-cs"/>
+              </a:rPr>
+              <a:t>Stories</a:t>
+            </a:r>
+          </a:p>
+          <a:p>
+            <a:r>
+              <a:rPr lang="en-GB" sz="500" kern="1200" dirty="0">
+                <a:solidFill>
+                  <a:schemeClr val="tx1"/>
+                </a:solidFill>
+                <a:effectLst/>
+                <a:latin typeface="+mn-lt"/>
+                <a:ea typeface="+mn-ea"/>
+                <a:cs typeface="+mn-cs"/>
+              </a:rPr>
+              <a:t>Tasking</a:t>
+            </a:r>
+          </a:p>
+          <a:p>
+            <a:r>
+              <a:rPr lang="en-GB" sz="500" kern="1200" dirty="0">
+                <a:solidFill>
+                  <a:schemeClr val="tx1"/>
+                </a:solidFill>
+                <a:effectLst/>
+                <a:latin typeface="+mn-lt"/>
+                <a:ea typeface="+mn-ea"/>
+                <a:cs typeface="+mn-cs"/>
+              </a:rPr>
+              <a:t>Prototyping</a:t>
+            </a:r>
+          </a:p>
+          <a:p>
+            <a:r>
+              <a:rPr lang="en-GB" sz="500" kern="1200" dirty="0">
+                <a:solidFill>
+                  <a:schemeClr val="tx1"/>
+                </a:solidFill>
+                <a:effectLst/>
+                <a:latin typeface="+mn-lt"/>
+                <a:ea typeface="+mn-ea"/>
+                <a:cs typeface="+mn-cs"/>
+              </a:rPr>
+              <a:t>Code review</a:t>
+            </a:r>
+          </a:p>
+          <a:p>
+            <a:r>
+              <a:rPr lang="en-GB" sz="500" kern="1200" dirty="0">
+                <a:solidFill>
+                  <a:schemeClr val="tx1"/>
+                </a:solidFill>
+                <a:effectLst/>
+                <a:latin typeface="+mn-lt"/>
+                <a:ea typeface="+mn-ea"/>
+                <a:cs typeface="+mn-cs"/>
+              </a:rPr>
+              <a:t>Merge</a:t>
+            </a:r>
+          </a:p>
+          <a:p>
+            <a:r>
+              <a:rPr lang="en-GB" sz="500" kern="1200" dirty="0">
+                <a:solidFill>
+                  <a:schemeClr val="tx1"/>
+                </a:solidFill>
+                <a:effectLst/>
+                <a:latin typeface="+mn-lt"/>
+                <a:ea typeface="+mn-ea"/>
+                <a:cs typeface="+mn-cs"/>
+              </a:rPr>
+              <a:t>Deploy</a:t>
+            </a:r>
+          </a:p>
+          <a:p>
+            <a:r>
+              <a:rPr lang="en-GB" sz="500" kern="1200" dirty="0">
+                <a:solidFill>
+                  <a:schemeClr val="tx1"/>
+                </a:solidFill>
+                <a:effectLst/>
+                <a:latin typeface="+mn-lt"/>
+                <a:ea typeface="+mn-ea"/>
+                <a:cs typeface="+mn-cs"/>
+              </a:rPr>
+              <a:t>Test</a:t>
             </a:r>
           </a:p>
           <a:p>
@@ -3603,84 +3869,60 @@
                 <a:ea typeface="+mn-ea"/>
                 <a:cs typeface="+mn-cs"/>
               </a:rPr>
-              <a:t>Regular feedback</a:t>
-            </a:r>
-          </a:p>
-          <a:p>
-            <a:r>
-              <a:rPr lang="en-GB" sz="500" kern="1200" dirty="0">
-                <a:solidFill>
-                  <a:schemeClr val="tx1"/>
-                </a:solidFill>
-                <a:effectLst/>
-                <a:latin typeface="+mn-lt"/>
-                <a:ea typeface="+mn-ea"/>
-                <a:cs typeface="+mn-cs"/>
-              </a:rPr>
-              <a:t>Lab walk through with software</a:t>
-            </a:r>
-          </a:p>
-          <a:p>
-            <a:endParaRPr lang="en-US" dirty="0"/>
-          </a:p>
-          <a:p>
-            <a:endParaRPr lang="en-US" dirty="0"/>
-          </a:p>
-          <a:p>
-            <a:r>
-              <a:rPr lang="en-US" dirty="0"/>
-              <a:t>ACTIONS:</a:t>
-            </a:r>
-          </a:p>
-          <a:p>
-            <a:endParaRPr lang="en-US" dirty="0"/>
-          </a:p>
-          <a:p>
-            <a:pPr marL="0" marR="0" lvl="0" indent="0" algn="l" defTabSz="415698" rtl="0" eaLnBrk="1" fontAlgn="auto" latinLnBrk="0" hangingPunct="1">
-              <a:lnSpc>
-                <a:spcPct val="100000"/>
-              </a:lnSpc>
-              <a:spcBef>
-                <a:spcPts val="0"/>
-              </a:spcBef>
-              <a:spcAft>
-                <a:spcPts val="0"/>
-              </a:spcAft>
-              <a:buClrTx/>
-              <a:buSzTx/>
-              <a:buFontTx/>
-              <a:buNone/>
-              <a:tabLst/>
-              <a:defRPr/>
-            </a:pPr>
+              <a:t>production</a:t>
+            </a:r>
             <a:r>
               <a:rPr lang="en-GB" dirty="0">
                 <a:effectLst/>
               </a:rPr>
-              <a:t>Get picture of us in room with Karen and Craig - review</a:t>
-            </a:r>
-          </a:p>
-          <a:p>
-            <a:r>
-              <a:rPr lang="en-US" dirty="0"/>
-              <a:t>Pictures of process diagrams</a:t>
-            </a:r>
-          </a:p>
-          <a:p>
-            <a:r>
-              <a:rPr lang="en-US" dirty="0"/>
-              <a:t>Richs tracking</a:t>
-            </a:r>
-          </a:p>
-          <a:p>
-            <a:r>
-              <a:rPr lang="en-US" dirty="0"/>
-              <a:t>Picture of us testing in </a:t>
-            </a:r>
-            <a:r>
-              <a:rPr lang="en-US"/>
-              <a:t>the </a:t>
-            </a:r>
+              <a:t> </a:t>
+            </a:r>
+          </a:p>
+          <a:p>
+            <a:endParaRPr lang="en-GB" dirty="0">
+              <a:effectLst/>
+            </a:endParaRPr>
+          </a:p>
+          <a:p>
+            <a:r>
+              <a:rPr lang="en-GB" dirty="0">
+                <a:effectLst/>
+              </a:rPr>
+              <a:t>Lots of image of techy processes</a:t>
+            </a:r>
+          </a:p>
+          <a:p>
+            <a:endParaRPr lang="en-GB" dirty="0">
+              <a:effectLst/>
+            </a:endParaRPr>
+          </a:p>
+          <a:p>
+            <a:r>
+              <a:rPr lang="en-GB" dirty="0">
+                <a:effectLst/>
+              </a:rPr>
+              <a:t>ACTIONS:</a:t>
+            </a:r>
+          </a:p>
+          <a:p>
+            <a:endParaRPr lang="en-GB" dirty="0">
+              <a:effectLst/>
+            </a:endParaRPr>
+          </a:p>
+          <a:p>
+            <a:r>
+              <a:rPr lang="en-GB" dirty="0">
+                <a:effectLst/>
+              </a:rPr>
+              <a:t>Get pictures from Mark of stand ups</a:t>
+            </a:r>
+          </a:p>
+          <a:p>
+            <a:endParaRPr lang="en-GB" dirty="0">
+              <a:effectLst/>
+            </a:endParaRPr>
+          </a:p>
+          <a:p>
             <a:endParaRPr lang="en-US" dirty="0"/>
           </a:p>
         </p:txBody>
@@ -3702,7 +3944,7 @@
           <a:p>
             <a:fld id="{6A2F9BBA-A9BD-6344-AA98-520E3FE767FB}" type="slidenum">
               <a:rPr lang="en-US" smtClean="0"/>
-              <a:t>8</a:t>
+              <a:t>7</a:t>
             </a:fld>
             <a:endParaRPr lang="en-US"/>
           </a:p>
@@ -3711,7 +3953,7 @@
     </p:spTree>
     <p:extLst>
       <p:ext uri="{BB962C8B-B14F-4D97-AF65-F5344CB8AC3E}">
-        <p14:creationId xmlns:p14="http://schemas.microsoft.com/office/powerpoint/2010/main" val="991928331"/>
+        <p14:creationId xmlns:p14="http://schemas.microsoft.com/office/powerpoint/2010/main" val="2225431022"/>
       </p:ext>
     </p:extLst>
   </p:cSld>
@@ -3765,8 +4007,9 @@
           <a:bodyPr/>
           <a:lstStyle/>
           <a:p>
-            <a:r>
-              <a:rPr lang="en-US" sz="500" kern="1200" dirty="0">
+            <a:pPr lvl="0"/>
+            <a:r>
+              <a:rPr lang="en-GB" sz="500" kern="1200" dirty="0">
                 <a:solidFill>
                   <a:schemeClr val="tx1"/>
                 </a:solidFill>
@@ -3775,19 +4018,107 @@
                 <a:ea typeface="+mn-ea"/>
                 <a:cs typeface="+mn-cs"/>
               </a:rPr>
-              <a:t>Internal</a:t>
-            </a:r>
-          </a:p>
-          <a:p>
-            <a:endParaRPr lang="en-US" sz="500" kern="1200" dirty="0">
-              <a:solidFill>
-                <a:schemeClr val="tx1"/>
-              </a:solidFill>
-              <a:effectLst/>
-              <a:latin typeface="+mn-lt"/>
-              <a:ea typeface="+mn-ea"/>
-              <a:cs typeface="+mn-cs"/>
-            </a:endParaRPr>
+              <a:t>Customer interaction</a:t>
+            </a:r>
+          </a:p>
+          <a:p>
+            <a:r>
+              <a:rPr lang="en-GB" sz="500" kern="1200" dirty="0">
+                <a:solidFill>
+                  <a:schemeClr val="tx1"/>
+                </a:solidFill>
+                <a:effectLst/>
+                <a:latin typeface="+mn-lt"/>
+                <a:ea typeface="+mn-ea"/>
+                <a:cs typeface="+mn-cs"/>
+              </a:rPr>
+              <a:t> </a:t>
+            </a:r>
+          </a:p>
+          <a:p>
+            <a:r>
+              <a:rPr lang="en-GB" sz="500" kern="1200" dirty="0">
+                <a:solidFill>
+                  <a:schemeClr val="tx1"/>
+                </a:solidFill>
+                <a:effectLst/>
+                <a:latin typeface="+mn-lt"/>
+                <a:ea typeface="+mn-ea"/>
+                <a:cs typeface="+mn-cs"/>
+              </a:rPr>
+              <a:t>Understanding their process </a:t>
+            </a:r>
+          </a:p>
+          <a:p>
+            <a:r>
+              <a:rPr lang="en-GB" sz="500" kern="1200" dirty="0">
+                <a:solidFill>
+                  <a:schemeClr val="tx1"/>
+                </a:solidFill>
+                <a:effectLst/>
+                <a:latin typeface="+mn-lt"/>
+                <a:ea typeface="+mn-ea"/>
+                <a:cs typeface="+mn-cs"/>
+              </a:rPr>
+              <a:t>Design meetings</a:t>
+            </a:r>
+          </a:p>
+          <a:p>
+            <a:r>
+              <a:rPr lang="en-GB" sz="500" kern="1200" dirty="0">
+                <a:solidFill>
+                  <a:schemeClr val="tx1"/>
+                </a:solidFill>
+                <a:effectLst/>
+                <a:latin typeface="+mn-lt"/>
+                <a:ea typeface="+mn-ea"/>
+                <a:cs typeface="+mn-cs"/>
+              </a:rPr>
+              <a:t>UAT</a:t>
+            </a:r>
+          </a:p>
+          <a:p>
+            <a:r>
+              <a:rPr lang="en-GB" sz="500" kern="1200" dirty="0">
+                <a:solidFill>
+                  <a:schemeClr val="tx1"/>
+                </a:solidFill>
+                <a:effectLst/>
+                <a:latin typeface="+mn-lt"/>
+                <a:ea typeface="+mn-ea"/>
+                <a:cs typeface="+mn-cs"/>
+              </a:rPr>
+              <a:t>Regular feedback</a:t>
+            </a:r>
+          </a:p>
+          <a:p>
+            <a:r>
+              <a:rPr lang="en-GB" sz="500" kern="1200" dirty="0">
+                <a:solidFill>
+                  <a:schemeClr val="tx1"/>
+                </a:solidFill>
+                <a:effectLst/>
+                <a:latin typeface="+mn-lt"/>
+                <a:ea typeface="+mn-ea"/>
+                <a:cs typeface="+mn-cs"/>
+              </a:rPr>
+              <a:t>Lab walk through with software</a:t>
+            </a:r>
+          </a:p>
+          <a:p>
+            <a:endParaRPr lang="en-US" dirty="0"/>
+          </a:p>
+          <a:p>
+            <a:endParaRPr lang="en-US" dirty="0"/>
+          </a:p>
+          <a:p>
+            <a:r>
+              <a:rPr lang="en-US" dirty="0"/>
+              <a:t>ACTIONS:</a:t>
+            </a:r>
+          </a:p>
+          <a:p>
+            <a:endParaRPr lang="en-US" dirty="0"/>
           </a:p>
           <a:p>
             <a:pPr marL="0" marR="0" lvl="0" indent="0" algn="l" defTabSz="415698" rtl="0" eaLnBrk="1" fontAlgn="auto" latinLnBrk="0" hangingPunct="1">
@@ -3808,391 +4139,34 @@
               <a:defRPr/>
             </a:pPr>
             <a:r>
-              <a:rPr lang="en-US" sz="500" kern="1200" dirty="0">
-                <a:solidFill>
-                  <a:schemeClr val="tx1"/>
-                </a:solidFill>
+              <a:rPr lang="en-GB" dirty="0">
                 <a:effectLst/>
-                <a:latin typeface="+mn-lt"/>
-                <a:ea typeface="+mn-ea"/>
-                <a:cs typeface="+mn-cs"/>
               </a:rPr>
-              <a:t>How we learnt to improve our software development process</a:t>
-            </a:r>
-          </a:p>
-          <a:p>
-            <a:r>
-              <a:rPr lang="en-US" sz="500" kern="1200" dirty="0">
-                <a:solidFill>
-                  <a:schemeClr val="tx1"/>
-                </a:solidFill>
-                <a:effectLst/>
-                <a:latin typeface="+mn-lt"/>
-                <a:ea typeface="+mn-ea"/>
-                <a:cs typeface="+mn-cs"/>
-              </a:rPr>
-              <a:t>Team – try to remove ambiguity</a:t>
-            </a:r>
-          </a:p>
-          <a:p>
-            <a:r>
-              <a:rPr lang="en-US" sz="500" kern="1200" dirty="0">
-                <a:solidFill>
-                  <a:schemeClr val="tx1"/>
-                </a:solidFill>
-                <a:effectLst/>
-                <a:latin typeface="+mn-lt"/>
-                <a:ea typeface="+mn-ea"/>
-                <a:cs typeface="+mn-cs"/>
-              </a:rPr>
-              <a:t>Better planning</a:t>
-            </a:r>
-          </a:p>
-          <a:p>
-            <a:r>
-              <a:rPr lang="en-US" sz="500" kern="1200" dirty="0">
-                <a:solidFill>
-                  <a:schemeClr val="tx1"/>
-                </a:solidFill>
-                <a:effectLst/>
-                <a:latin typeface="+mn-lt"/>
-                <a:ea typeface="+mn-ea"/>
-                <a:cs typeface="+mn-cs"/>
-              </a:rPr>
-              <a:t>Taskings</a:t>
-            </a:r>
-          </a:p>
-          <a:p>
-            <a:r>
-              <a:rPr lang="en-US" sz="500" kern="1200" dirty="0">
-                <a:solidFill>
-                  <a:schemeClr val="tx1"/>
-                </a:solidFill>
-                <a:effectLst/>
-                <a:latin typeface="+mn-lt"/>
-                <a:ea typeface="+mn-ea"/>
-                <a:cs typeface="+mn-cs"/>
-              </a:rPr>
-              <a:t>MVP</a:t>
-            </a:r>
-          </a:p>
-          <a:p>
-            <a:r>
-              <a:rPr lang="en-US" sz="500" kern="1200" dirty="0">
-                <a:solidFill>
-                  <a:schemeClr val="tx1"/>
-                </a:solidFill>
-                <a:effectLst/>
-                <a:latin typeface="+mn-lt"/>
-                <a:ea typeface="+mn-ea"/>
-                <a:cs typeface="+mn-cs"/>
-              </a:rPr>
-              <a:t>Slack</a:t>
-            </a:r>
-          </a:p>
-          <a:p>
-            <a:pPr marL="0" marR="0" lvl="0" indent="0" algn="l" defTabSz="415698" rtl="0" eaLnBrk="1" fontAlgn="auto" latinLnBrk="0" hangingPunct="1">
-              <a:lnSpc>
-                <a:spcPct val="100000"/>
-              </a:lnSpc>
-              <a:spcBef>
-                <a:spcPts val="0"/>
-              </a:spcBef>
-              <a:spcAft>
-                <a:spcPts val="0"/>
-              </a:spcAft>
-              <a:buClrTx/>
-              <a:buSzTx/>
-              <a:buFontTx/>
-              <a:buNone/>
-              <a:tabLst/>
-              <a:defRPr/>
-            </a:pPr>
-            <a:r>
-              <a:rPr lang="en-US" sz="500" kern="1200" dirty="0">
-                <a:solidFill>
-                  <a:schemeClr val="tx1"/>
-                </a:solidFill>
-                <a:effectLst/>
-                <a:latin typeface="+mn-lt"/>
-                <a:ea typeface="+mn-ea"/>
-                <a:cs typeface="+mn-cs"/>
-              </a:rPr>
-              <a:t>Communication</a:t>
-            </a:r>
-          </a:p>
-          <a:p>
-            <a:endParaRPr lang="en-US" sz="500" kern="1200" dirty="0">
-              <a:solidFill>
-                <a:schemeClr val="tx1"/>
-              </a:solidFill>
-              <a:effectLst/>
-              <a:latin typeface="+mn-lt"/>
-              <a:ea typeface="+mn-ea"/>
-              <a:cs typeface="+mn-cs"/>
-            </a:endParaRPr>
-          </a:p>
-          <a:p>
-            <a:endParaRPr lang="en-US" sz="500" kern="1200" dirty="0">
-              <a:solidFill>
-                <a:schemeClr val="tx1"/>
-              </a:solidFill>
-              <a:effectLst/>
-              <a:latin typeface="+mn-lt"/>
-              <a:ea typeface="+mn-ea"/>
-              <a:cs typeface="+mn-cs"/>
-            </a:endParaRPr>
-          </a:p>
-          <a:p>
-            <a:r>
-              <a:rPr lang="en-US" sz="500" kern="1200" dirty="0">
-                <a:solidFill>
-                  <a:schemeClr val="tx1"/>
-                </a:solidFill>
-                <a:effectLst/>
-                <a:latin typeface="+mn-lt"/>
-                <a:ea typeface="+mn-ea"/>
-                <a:cs typeface="+mn-cs"/>
-              </a:rPr>
-              <a:t>External</a:t>
-            </a:r>
-          </a:p>
-          <a:p>
-            <a:endParaRPr lang="en-US" sz="500" kern="1200" dirty="0">
-              <a:solidFill>
-                <a:schemeClr val="tx1"/>
-              </a:solidFill>
-              <a:effectLst/>
-              <a:latin typeface="+mn-lt"/>
-              <a:ea typeface="+mn-ea"/>
-              <a:cs typeface="+mn-cs"/>
-            </a:endParaRPr>
-          </a:p>
-          <a:p>
-            <a:pPr marL="0" marR="0" lvl="0" indent="0" algn="l" defTabSz="415698" rtl="0" eaLnBrk="1" fontAlgn="auto" latinLnBrk="0" hangingPunct="1">
-              <a:lnSpc>
-                <a:spcPct val="100000"/>
-              </a:lnSpc>
-              <a:spcBef>
-                <a:spcPts val="0"/>
-              </a:spcBef>
-              <a:spcAft>
-                <a:spcPts val="0"/>
-              </a:spcAft>
-              <a:buClrTx/>
-              <a:buSzTx/>
-              <a:buFontTx/>
-              <a:buNone/>
-              <a:tabLst/>
-              <a:defRPr/>
-            </a:pPr>
-            <a:r>
-              <a:rPr lang="en-US" sz="500" kern="1200" dirty="0">
-                <a:solidFill>
-                  <a:schemeClr val="tx1"/>
-                </a:solidFill>
-                <a:effectLst/>
-                <a:latin typeface="+mn-lt"/>
-                <a:ea typeface="+mn-ea"/>
-                <a:cs typeface="+mn-cs"/>
-              </a:rPr>
-              <a:t>Communication</a:t>
-            </a:r>
-          </a:p>
-          <a:p>
-            <a:r>
-              <a:rPr lang="en-US" sz="500" kern="1200" dirty="0">
-                <a:solidFill>
-                  <a:schemeClr val="tx1"/>
-                </a:solidFill>
-                <a:effectLst/>
-                <a:latin typeface="+mn-lt"/>
-                <a:ea typeface="+mn-ea"/>
-                <a:cs typeface="+mn-cs"/>
-              </a:rPr>
-              <a:t>Two images</a:t>
-            </a:r>
-          </a:p>
-          <a:p>
-            <a:r>
-              <a:rPr lang="en-US" sz="500" kern="1200" dirty="0">
-                <a:solidFill>
-                  <a:schemeClr val="tx1"/>
-                </a:solidFill>
-                <a:effectLst/>
-                <a:latin typeface="+mn-lt"/>
-                <a:ea typeface="+mn-ea"/>
-                <a:cs typeface="+mn-cs"/>
-              </a:rPr>
-              <a:t>1 wrong software</a:t>
-            </a:r>
-          </a:p>
-          <a:p>
-            <a:r>
-              <a:rPr lang="en-US" sz="500" kern="1200" dirty="0">
-                <a:solidFill>
-                  <a:schemeClr val="tx1"/>
-                </a:solidFill>
-                <a:effectLst/>
-                <a:latin typeface="+mn-lt"/>
-                <a:ea typeface="+mn-ea"/>
-                <a:cs typeface="+mn-cs"/>
-              </a:rPr>
-              <a:t>2right software</a:t>
-            </a:r>
-          </a:p>
-          <a:p>
-            <a:r>
-              <a:rPr lang="en-US" sz="500" kern="1200" dirty="0">
-                <a:solidFill>
-                  <a:schemeClr val="tx1"/>
-                </a:solidFill>
-                <a:effectLst/>
-                <a:latin typeface="+mn-lt"/>
-                <a:ea typeface="+mn-ea"/>
-                <a:cs typeface="+mn-cs"/>
-              </a:rPr>
-              <a:t>Process maps - Mapping out the process</a:t>
-            </a:r>
-          </a:p>
-          <a:p>
-            <a:r>
-              <a:rPr lang="en-US" sz="500" kern="1200" dirty="0">
-                <a:solidFill>
-                  <a:schemeClr val="tx1"/>
-                </a:solidFill>
-                <a:effectLst/>
-                <a:latin typeface="+mn-lt"/>
-                <a:ea typeface="+mn-ea"/>
-                <a:cs typeface="+mn-cs"/>
-              </a:rPr>
-              <a:t>Ideal </a:t>
-            </a:r>
-          </a:p>
-          <a:p>
-            <a:r>
-              <a:rPr lang="en-US" sz="500" kern="1200" dirty="0">
-                <a:solidFill>
-                  <a:schemeClr val="tx1"/>
-                </a:solidFill>
-                <a:effectLst/>
-                <a:latin typeface="+mn-lt"/>
-                <a:ea typeface="+mn-ea"/>
-                <a:cs typeface="+mn-cs"/>
-              </a:rPr>
-              <a:t>Quote from Craig</a:t>
-            </a:r>
-          </a:p>
-          <a:p>
-            <a:r>
-              <a:rPr lang="en-US" sz="500" kern="1200" dirty="0">
-                <a:solidFill>
-                  <a:schemeClr val="tx1"/>
-                </a:solidFill>
-                <a:effectLst/>
-                <a:latin typeface="+mn-lt"/>
-                <a:ea typeface="+mn-ea"/>
-                <a:cs typeface="+mn-cs"/>
-              </a:rPr>
-              <a:t>Image of spike planning</a:t>
-            </a:r>
-          </a:p>
-          <a:p>
-            <a:endParaRPr lang="en-US" sz="500" kern="1200" dirty="0">
-              <a:solidFill>
-                <a:schemeClr val="tx1"/>
-              </a:solidFill>
-              <a:effectLst/>
-              <a:latin typeface="+mn-lt"/>
-              <a:ea typeface="+mn-ea"/>
-              <a:cs typeface="+mn-cs"/>
-            </a:endParaRPr>
-          </a:p>
-          <a:p>
-            <a:endParaRPr lang="en-US" sz="500" kern="1200" dirty="0">
-              <a:solidFill>
-                <a:schemeClr val="tx1"/>
-              </a:solidFill>
-              <a:effectLst/>
-              <a:latin typeface="+mn-lt"/>
-              <a:ea typeface="+mn-ea"/>
-              <a:cs typeface="+mn-cs"/>
-            </a:endParaRPr>
-          </a:p>
-          <a:p>
-            <a:r>
-              <a:rPr lang="en-GB" sz="500" kern="1200" dirty="0">
-                <a:solidFill>
-                  <a:schemeClr val="tx1"/>
-                </a:solidFill>
-                <a:effectLst/>
-                <a:latin typeface="+mn-lt"/>
-                <a:ea typeface="+mn-ea"/>
-                <a:cs typeface="+mn-cs"/>
-              </a:rPr>
-              <a:t>ACTIONS:</a:t>
-            </a:r>
-          </a:p>
-          <a:p>
-            <a:endParaRPr lang="en-GB" sz="500" kern="1200" dirty="0">
-              <a:solidFill>
-                <a:schemeClr val="tx1"/>
-              </a:solidFill>
-              <a:effectLst/>
-              <a:latin typeface="+mn-lt"/>
-              <a:ea typeface="+mn-ea"/>
-              <a:cs typeface="+mn-cs"/>
-            </a:endParaRPr>
-          </a:p>
-          <a:p>
-            <a:r>
-              <a:rPr lang="en-GB" sz="500" kern="1200" dirty="0">
-                <a:solidFill>
-                  <a:schemeClr val="tx1"/>
-                </a:solidFill>
-                <a:effectLst/>
-                <a:latin typeface="+mn-lt"/>
-                <a:ea typeface="+mn-ea"/>
-                <a:cs typeface="+mn-cs"/>
-              </a:rPr>
-              <a:t>Speak to Craig about last spike meeting</a:t>
-            </a:r>
-          </a:p>
-          <a:p>
-            <a:r>
-              <a:rPr lang="en-GB" sz="500" kern="1200" dirty="0">
-                <a:solidFill>
-                  <a:schemeClr val="tx1"/>
-                </a:solidFill>
-                <a:effectLst/>
-                <a:latin typeface="+mn-lt"/>
-                <a:ea typeface="+mn-ea"/>
-                <a:cs typeface="+mn-cs"/>
-              </a:rPr>
-              <a:t>Image of the multi plex</a:t>
-            </a:r>
-          </a:p>
-          <a:p>
-            <a:endParaRPr lang="en-GB" sz="500" kern="1200" dirty="0">
-              <a:solidFill>
-                <a:schemeClr val="tx1"/>
-              </a:solidFill>
-              <a:effectLst/>
-              <a:latin typeface="+mn-lt"/>
-              <a:ea typeface="+mn-ea"/>
-              <a:cs typeface="+mn-cs"/>
-            </a:endParaRPr>
-          </a:p>
-          <a:p>
-            <a:endParaRPr lang="en-GB" sz="500" kern="1200" dirty="0">
-              <a:solidFill>
-                <a:schemeClr val="tx1"/>
-              </a:solidFill>
-              <a:effectLst/>
-              <a:latin typeface="+mn-lt"/>
-              <a:ea typeface="+mn-ea"/>
-              <a:cs typeface="+mn-cs"/>
-            </a:endParaRPr>
+              <a:t>Get picture of us in room with Karen and Craig - review</a:t>
+            </a:r>
+          </a:p>
+          <a:p>
+            <a:r>
+              <a:rPr lang="en-US" dirty="0"/>
+              <a:t>Pictures of process diagrams</a:t>
+            </a:r>
+          </a:p>
+          <a:p>
+            <a:r>
+              <a:rPr lang="en-US" dirty="0"/>
+              <a:t>Richs tracking</a:t>
+            </a:r>
+          </a:p>
+          <a:p>
+            <a:r>
+              <a:rPr lang="en-US" dirty="0"/>
+              <a:t>Picture of us testing in </a:t>
+            </a:r>
+            <a:r>
+              <a:rPr lang="en-US"/>
+              <a:t>the </a:t>
+            </a:r>
+            <a:endParaRPr lang="en-US" dirty="0"/>
           </a:p>
         </p:txBody>
       </p:sp>
@@ -4213,7 +4187,7 @@
           <a:p>
             <a:fld id="{6A2F9BBA-A9BD-6344-AA98-520E3FE767FB}" type="slidenum">
               <a:rPr lang="en-US" smtClean="0"/>
-              <a:t>9</a:t>
+              <a:t>8</a:t>
             </a:fld>
             <a:endParaRPr lang="en-US"/>
           </a:p>
@@ -4222,7 +4196,7 @@
     </p:spTree>
     <p:extLst>
       <p:ext uri="{BB962C8B-B14F-4D97-AF65-F5344CB8AC3E}">
-        <p14:creationId xmlns:p14="http://schemas.microsoft.com/office/powerpoint/2010/main" val="1171531238"/>
+        <p14:creationId xmlns:p14="http://schemas.microsoft.com/office/powerpoint/2010/main" val="991928331"/>
       </p:ext>
     </p:extLst>
   </p:cSld>
@@ -4276,7 +4250,434 @@
           <a:bodyPr/>
           <a:lstStyle/>
           <a:p>
-            <a:endParaRPr lang="en-US" dirty="0"/>
+            <a:r>
+              <a:rPr lang="en-US" sz="500" kern="1200" dirty="0">
+                <a:solidFill>
+                  <a:schemeClr val="tx1"/>
+                </a:solidFill>
+                <a:effectLst/>
+                <a:latin typeface="+mn-lt"/>
+                <a:ea typeface="+mn-ea"/>
+                <a:cs typeface="+mn-cs"/>
+              </a:rPr>
+              <a:t>Internal</a:t>
+            </a:r>
+          </a:p>
+          <a:p>
+            <a:endParaRPr lang="en-US" sz="500" kern="1200" dirty="0">
+              <a:solidFill>
+                <a:schemeClr val="tx1"/>
+              </a:solidFill>
+              <a:effectLst/>
+              <a:latin typeface="+mn-lt"/>
+              <a:ea typeface="+mn-ea"/>
+              <a:cs typeface="+mn-cs"/>
+            </a:endParaRPr>
+          </a:p>
+          <a:p>
+            <a:pPr marL="0" marR="0" lvl="0" indent="0" algn="l" defTabSz="415698" rtl="0" eaLnBrk="1" fontAlgn="auto" latinLnBrk="0" hangingPunct="1">
+              <a:lnSpc>
+                <a:spcPct val="100000"/>
+              </a:lnSpc>
+              <a:spcBef>
+                <a:spcPts val="0"/>
+              </a:spcBef>
+              <a:spcAft>
+                <a:spcPts val="0"/>
+              </a:spcAft>
+              <a:buClrTx/>
+              <a:buSzTx/>
+              <a:buFontTx/>
+              <a:buNone/>
+              <a:tabLst/>
+              <a:defRPr/>
+            </a:pPr>
+            <a:r>
+              <a:rPr lang="en-US" sz="500" kern="1200" dirty="0">
+                <a:solidFill>
+                  <a:schemeClr val="tx1"/>
+                </a:solidFill>
+                <a:effectLst/>
+                <a:latin typeface="+mn-lt"/>
+                <a:ea typeface="+mn-ea"/>
+                <a:cs typeface="+mn-cs"/>
+              </a:rPr>
+              <a:t>How we learnt to improve our software development process</a:t>
+            </a:r>
+          </a:p>
+          <a:p>
+            <a:r>
+              <a:rPr lang="en-US" sz="500" kern="1200" dirty="0">
+                <a:solidFill>
+                  <a:schemeClr val="tx1"/>
+                </a:solidFill>
+                <a:effectLst/>
+                <a:latin typeface="+mn-lt"/>
+                <a:ea typeface="+mn-ea"/>
+                <a:cs typeface="+mn-cs"/>
+              </a:rPr>
+              <a:t>Team – try to remove ambiguity</a:t>
+            </a:r>
+          </a:p>
+          <a:p>
+            <a:r>
+              <a:rPr lang="en-US" sz="500" kern="1200" dirty="0">
+                <a:solidFill>
+                  <a:schemeClr val="tx1"/>
+                </a:solidFill>
+                <a:effectLst/>
+                <a:latin typeface="+mn-lt"/>
+                <a:ea typeface="+mn-ea"/>
+                <a:cs typeface="+mn-cs"/>
+              </a:rPr>
+              <a:t>Better planning</a:t>
+            </a:r>
+          </a:p>
+          <a:p>
+            <a:r>
+              <a:rPr lang="en-US" sz="500" kern="1200" dirty="0">
+                <a:solidFill>
+                  <a:schemeClr val="tx1"/>
+                </a:solidFill>
+                <a:effectLst/>
+                <a:latin typeface="+mn-lt"/>
+                <a:ea typeface="+mn-ea"/>
+                <a:cs typeface="+mn-cs"/>
+              </a:rPr>
+              <a:t>Taskings</a:t>
+            </a:r>
+          </a:p>
+          <a:p>
+            <a:r>
+              <a:rPr lang="en-US" sz="500" kern="1200" dirty="0">
+                <a:solidFill>
+                  <a:schemeClr val="tx1"/>
+                </a:solidFill>
+                <a:effectLst/>
+                <a:latin typeface="+mn-lt"/>
+                <a:ea typeface="+mn-ea"/>
+                <a:cs typeface="+mn-cs"/>
+              </a:rPr>
+              <a:t>MVP</a:t>
+            </a:r>
+          </a:p>
+          <a:p>
+            <a:r>
+              <a:rPr lang="en-US" sz="500" kern="1200" dirty="0">
+                <a:solidFill>
+                  <a:schemeClr val="tx1"/>
+                </a:solidFill>
+                <a:effectLst/>
+                <a:latin typeface="+mn-lt"/>
+                <a:ea typeface="+mn-ea"/>
+                <a:cs typeface="+mn-cs"/>
+              </a:rPr>
+              <a:t>Slack</a:t>
+            </a:r>
+          </a:p>
+          <a:p>
+            <a:pPr marL="0" marR="0" lvl="0" indent="0" algn="l" defTabSz="415698" rtl="0" eaLnBrk="1" fontAlgn="auto" latinLnBrk="0" hangingPunct="1">
+              <a:lnSpc>
+                <a:spcPct val="100000"/>
+              </a:lnSpc>
+              <a:spcBef>
+                <a:spcPts val="0"/>
+              </a:spcBef>
+              <a:spcAft>
+                <a:spcPts val="0"/>
+              </a:spcAft>
+              <a:buClrTx/>
+              <a:buSzTx/>
+              <a:buFontTx/>
+              <a:buNone/>
+              <a:tabLst/>
+              <a:defRPr/>
+            </a:pPr>
+            <a:r>
+              <a:rPr lang="en-US" sz="500" kern="1200" dirty="0">
+                <a:solidFill>
+                  <a:schemeClr val="tx1"/>
+                </a:solidFill>
+                <a:effectLst/>
+                <a:latin typeface="+mn-lt"/>
+                <a:ea typeface="+mn-ea"/>
+                <a:cs typeface="+mn-cs"/>
+              </a:rPr>
+              <a:t>Communication</a:t>
+            </a:r>
+          </a:p>
+          <a:p>
+            <a:endParaRPr lang="en-US" sz="500" kern="1200" dirty="0">
+              <a:solidFill>
+                <a:schemeClr val="tx1"/>
+              </a:solidFill>
+              <a:effectLst/>
+              <a:latin typeface="+mn-lt"/>
+              <a:ea typeface="+mn-ea"/>
+              <a:cs typeface="+mn-cs"/>
+            </a:endParaRPr>
+          </a:p>
+          <a:p>
+            <a:endParaRPr lang="en-US" sz="500" kern="1200" dirty="0">
+              <a:solidFill>
+                <a:schemeClr val="tx1"/>
+              </a:solidFill>
+              <a:effectLst/>
+              <a:latin typeface="+mn-lt"/>
+              <a:ea typeface="+mn-ea"/>
+              <a:cs typeface="+mn-cs"/>
+            </a:endParaRPr>
+          </a:p>
+          <a:p>
+            <a:r>
+              <a:rPr lang="en-US" sz="500" kern="1200" dirty="0">
+                <a:solidFill>
+                  <a:schemeClr val="tx1"/>
+                </a:solidFill>
+                <a:effectLst/>
+                <a:latin typeface="+mn-lt"/>
+                <a:ea typeface="+mn-ea"/>
+                <a:cs typeface="+mn-cs"/>
+              </a:rPr>
+              <a:t>External</a:t>
+            </a:r>
+          </a:p>
+          <a:p>
+            <a:endParaRPr lang="en-US" sz="500" kern="1200" dirty="0">
+              <a:solidFill>
+                <a:schemeClr val="tx1"/>
+              </a:solidFill>
+              <a:effectLst/>
+              <a:latin typeface="+mn-lt"/>
+              <a:ea typeface="+mn-ea"/>
+              <a:cs typeface="+mn-cs"/>
+            </a:endParaRPr>
+          </a:p>
+          <a:p>
+            <a:pPr marL="0" marR="0" lvl="0" indent="0" algn="l" defTabSz="415698" rtl="0" eaLnBrk="1" fontAlgn="auto" latinLnBrk="0" hangingPunct="1">
+              <a:lnSpc>
+                <a:spcPct val="100000"/>
+              </a:lnSpc>
+              <a:spcBef>
+                <a:spcPts val="0"/>
+              </a:spcBef>
+              <a:spcAft>
+                <a:spcPts val="0"/>
+              </a:spcAft>
+              <a:buClrTx/>
+              <a:buSzTx/>
+              <a:buFontTx/>
+              <a:buNone/>
+              <a:tabLst/>
+              <a:defRPr/>
+            </a:pPr>
+            <a:r>
+              <a:rPr lang="en-US" sz="500" kern="1200" dirty="0">
+                <a:solidFill>
+                  <a:schemeClr val="tx1"/>
+                </a:solidFill>
+                <a:effectLst/>
+                <a:latin typeface="+mn-lt"/>
+                <a:ea typeface="+mn-ea"/>
+                <a:cs typeface="+mn-cs"/>
+              </a:rPr>
+              <a:t>Communication</a:t>
+            </a:r>
+          </a:p>
+          <a:p>
+            <a:r>
+              <a:rPr lang="en-US" sz="500" kern="1200" dirty="0">
+                <a:solidFill>
+                  <a:schemeClr val="tx1"/>
+                </a:solidFill>
+                <a:effectLst/>
+                <a:latin typeface="+mn-lt"/>
+                <a:ea typeface="+mn-ea"/>
+                <a:cs typeface="+mn-cs"/>
+              </a:rPr>
+              <a:t>Two images</a:t>
+            </a:r>
+          </a:p>
+          <a:p>
+            <a:r>
+              <a:rPr lang="en-US" sz="500" kern="1200" dirty="0">
+                <a:solidFill>
+                  <a:schemeClr val="tx1"/>
+                </a:solidFill>
+                <a:effectLst/>
+                <a:latin typeface="+mn-lt"/>
+                <a:ea typeface="+mn-ea"/>
+                <a:cs typeface="+mn-cs"/>
+              </a:rPr>
+              <a:t>1 wrong software</a:t>
+            </a:r>
+          </a:p>
+          <a:p>
+            <a:r>
+              <a:rPr lang="en-US" sz="500" kern="1200" dirty="0">
+                <a:solidFill>
+                  <a:schemeClr val="tx1"/>
+                </a:solidFill>
+                <a:effectLst/>
+                <a:latin typeface="+mn-lt"/>
+                <a:ea typeface="+mn-ea"/>
+                <a:cs typeface="+mn-cs"/>
+              </a:rPr>
+              <a:t>2right software</a:t>
+            </a:r>
+          </a:p>
+          <a:p>
+            <a:r>
+              <a:rPr lang="en-US" sz="500" kern="1200" dirty="0">
+                <a:solidFill>
+                  <a:schemeClr val="tx1"/>
+                </a:solidFill>
+                <a:effectLst/>
+                <a:latin typeface="+mn-lt"/>
+                <a:ea typeface="+mn-ea"/>
+                <a:cs typeface="+mn-cs"/>
+              </a:rPr>
+              <a:t>Process maps - Mapping out the process</a:t>
+            </a:r>
+          </a:p>
+          <a:p>
+            <a:r>
+              <a:rPr lang="en-US" sz="500" kern="1200" dirty="0">
+                <a:solidFill>
+                  <a:schemeClr val="tx1"/>
+                </a:solidFill>
+                <a:effectLst/>
+                <a:latin typeface="+mn-lt"/>
+                <a:ea typeface="+mn-ea"/>
+                <a:cs typeface="+mn-cs"/>
+              </a:rPr>
+              <a:t>Ideal </a:t>
+            </a:r>
+          </a:p>
+          <a:p>
+            <a:r>
+              <a:rPr lang="en-US" sz="500" kern="1200" dirty="0">
+                <a:solidFill>
+                  <a:schemeClr val="tx1"/>
+                </a:solidFill>
+                <a:effectLst/>
+                <a:latin typeface="+mn-lt"/>
+                <a:ea typeface="+mn-ea"/>
+                <a:cs typeface="+mn-cs"/>
+              </a:rPr>
+              <a:t>Quote from Craig</a:t>
+            </a:r>
+          </a:p>
+          <a:p>
+            <a:r>
+              <a:rPr lang="en-US" sz="500" kern="1200" dirty="0">
+                <a:solidFill>
+                  <a:schemeClr val="tx1"/>
+                </a:solidFill>
+                <a:effectLst/>
+                <a:latin typeface="+mn-lt"/>
+                <a:ea typeface="+mn-ea"/>
+                <a:cs typeface="+mn-cs"/>
+              </a:rPr>
+              <a:t>Image of spike planning</a:t>
+            </a:r>
+          </a:p>
+          <a:p>
+            <a:endParaRPr lang="en-US" sz="500" kern="1200" dirty="0">
+              <a:solidFill>
+                <a:schemeClr val="tx1"/>
+              </a:solidFill>
+              <a:effectLst/>
+              <a:latin typeface="+mn-lt"/>
+              <a:ea typeface="+mn-ea"/>
+              <a:cs typeface="+mn-cs"/>
+            </a:endParaRPr>
+          </a:p>
+          <a:p>
+            <a:endParaRPr lang="en-US" sz="500" kern="1200" dirty="0">
+              <a:solidFill>
+                <a:schemeClr val="tx1"/>
+              </a:solidFill>
+              <a:effectLst/>
+              <a:latin typeface="+mn-lt"/>
+              <a:ea typeface="+mn-ea"/>
+              <a:cs typeface="+mn-cs"/>
+            </a:endParaRPr>
+          </a:p>
+          <a:p>
+            <a:r>
+              <a:rPr lang="en-GB" sz="500" kern="1200" dirty="0">
+                <a:solidFill>
+                  <a:schemeClr val="tx1"/>
+                </a:solidFill>
+                <a:effectLst/>
+                <a:latin typeface="+mn-lt"/>
+                <a:ea typeface="+mn-ea"/>
+                <a:cs typeface="+mn-cs"/>
+              </a:rPr>
+              <a:t>ACTIONS:</a:t>
+            </a:r>
+          </a:p>
+          <a:p>
+            <a:endParaRPr lang="en-GB" sz="500" kern="1200" dirty="0">
+              <a:solidFill>
+                <a:schemeClr val="tx1"/>
+              </a:solidFill>
+              <a:effectLst/>
+              <a:latin typeface="+mn-lt"/>
+              <a:ea typeface="+mn-ea"/>
+              <a:cs typeface="+mn-cs"/>
+            </a:endParaRPr>
+          </a:p>
+          <a:p>
+            <a:r>
+              <a:rPr lang="en-GB" sz="500" kern="1200" dirty="0">
+                <a:solidFill>
+                  <a:schemeClr val="tx1"/>
+                </a:solidFill>
+                <a:effectLst/>
+                <a:latin typeface="+mn-lt"/>
+                <a:ea typeface="+mn-ea"/>
+                <a:cs typeface="+mn-cs"/>
+              </a:rPr>
+              <a:t>Speak to Craig about last spike meeting</a:t>
+            </a:r>
+          </a:p>
+          <a:p>
+            <a:r>
+              <a:rPr lang="en-GB" sz="500" kern="1200" dirty="0">
+                <a:solidFill>
+                  <a:schemeClr val="tx1"/>
+                </a:solidFill>
+                <a:effectLst/>
+                <a:latin typeface="+mn-lt"/>
+                <a:ea typeface="+mn-ea"/>
+                <a:cs typeface="+mn-cs"/>
+              </a:rPr>
+              <a:t>Image of the multi plex</a:t>
+            </a:r>
+          </a:p>
+          <a:p>
+            <a:endParaRPr lang="en-GB" sz="500" kern="1200" dirty="0">
+              <a:solidFill>
+                <a:schemeClr val="tx1"/>
+              </a:solidFill>
+              <a:effectLst/>
+              <a:latin typeface="+mn-lt"/>
+              <a:ea typeface="+mn-ea"/>
+              <a:cs typeface="+mn-cs"/>
+            </a:endParaRPr>
+          </a:p>
+          <a:p>
+            <a:endParaRPr lang="en-GB" sz="500" kern="1200" dirty="0">
+              <a:solidFill>
+                <a:schemeClr val="tx1"/>
+              </a:solidFill>
+              <a:effectLst/>
+              <a:latin typeface="+mn-lt"/>
+              <a:ea typeface="+mn-ea"/>
+              <a:cs typeface="+mn-cs"/>
+            </a:endParaRPr>
           </a:p>
         </p:txBody>
       </p:sp>
@@ -4297,7 +4698,7 @@
           <a:p>
             <a:fld id="{6A2F9BBA-A9BD-6344-AA98-520E3FE767FB}" type="slidenum">
               <a:rPr lang="en-US" smtClean="0"/>
-              <a:t>10</a:t>
+              <a:t>9</a:t>
             </a:fld>
             <a:endParaRPr lang="en-US"/>
           </a:p>
@@ -4306,7 +4707,7 @@
     </p:spTree>
     <p:extLst>
       <p:ext uri="{BB962C8B-B14F-4D97-AF65-F5344CB8AC3E}">
-        <p14:creationId xmlns:p14="http://schemas.microsoft.com/office/powerpoint/2010/main" val="4020924892"/>
+        <p14:creationId xmlns:p14="http://schemas.microsoft.com/office/powerpoint/2010/main" val="1171531238"/>
       </p:ext>
     </p:extLst>
   </p:cSld>
@@ -4360,151 +4761,7 @@
           <a:bodyPr/>
           <a:lstStyle/>
           <a:p>
-            <a:r>
-              <a:rPr lang="en-GB" sz="500" kern="1200" dirty="0">
-                <a:solidFill>
-                  <a:schemeClr val="tx1"/>
-                </a:solidFill>
-                <a:effectLst/>
-                <a:latin typeface="+mn-lt"/>
-                <a:ea typeface="+mn-ea"/>
-                <a:cs typeface="+mn-cs"/>
-              </a:rPr>
-              <a:t>High level</a:t>
-            </a:r>
-          </a:p>
-          <a:p>
-            <a:endParaRPr lang="en-GB" sz="500" kern="1200" dirty="0">
-              <a:solidFill>
-                <a:schemeClr val="tx1"/>
-              </a:solidFill>
-              <a:effectLst/>
-              <a:latin typeface="+mn-lt"/>
-              <a:ea typeface="+mn-ea"/>
-              <a:cs typeface="+mn-cs"/>
-            </a:endParaRPr>
-          </a:p>
-          <a:p>
-            <a:r>
-              <a:rPr lang="en-GB" sz="500" kern="1200" dirty="0">
-                <a:solidFill>
-                  <a:schemeClr val="tx1"/>
-                </a:solidFill>
-                <a:effectLst/>
-                <a:latin typeface="+mn-lt"/>
-                <a:ea typeface="+mn-ea"/>
-                <a:cs typeface="+mn-cs"/>
-              </a:rPr>
-              <a:t>What services Traction is currently speaking to</a:t>
-            </a:r>
-          </a:p>
-          <a:p>
-            <a:endParaRPr lang="en-GB" sz="500" kern="1200" dirty="0">
-              <a:solidFill>
-                <a:schemeClr val="tx1"/>
-              </a:solidFill>
-              <a:effectLst/>
-              <a:latin typeface="+mn-lt"/>
-              <a:ea typeface="+mn-ea"/>
-              <a:cs typeface="+mn-cs"/>
-            </a:endParaRPr>
-          </a:p>
-          <a:p>
-            <a:r>
-              <a:rPr lang="en-GB" sz="500" kern="1200" dirty="0">
-                <a:solidFill>
-                  <a:schemeClr val="tx1"/>
-                </a:solidFill>
-                <a:effectLst/>
-                <a:latin typeface="+mn-lt"/>
-                <a:ea typeface="+mn-ea"/>
-                <a:cs typeface="+mn-cs"/>
-              </a:rPr>
-              <a:t>SS -&gt; SE -&gt; Traction -&gt; WH</a:t>
-            </a:r>
-            <a:r>
-              <a:rPr lang="en-GB" dirty="0">
-                <a:effectLst/>
-              </a:rPr>
-              <a:t> </a:t>
-            </a:r>
-          </a:p>
-          <a:p>
-            <a:endParaRPr lang="en-GB" dirty="0">
-              <a:effectLst/>
-            </a:endParaRPr>
-          </a:p>
-          <a:p>
-            <a:r>
-              <a:rPr lang="en-GB" dirty="0">
-                <a:effectLst/>
-              </a:rPr>
-              <a:t>Picture of SS sample manifest</a:t>
-            </a:r>
-          </a:p>
-          <a:p>
-            <a:r>
-              <a:rPr lang="en-GB" dirty="0">
-                <a:effectLst/>
-              </a:rPr>
-              <a:t>Picture of Sample Extraction</a:t>
-            </a:r>
-          </a:p>
-          <a:p>
-            <a:r>
-              <a:rPr lang="en-GB" dirty="0">
-                <a:effectLst/>
-              </a:rPr>
-              <a:t>Picture of Traction</a:t>
-            </a:r>
-          </a:p>
-          <a:p>
-            <a:r>
-              <a:rPr lang="en-GB" dirty="0">
-                <a:effectLst/>
-              </a:rPr>
-              <a:t>Picture of data</a:t>
-            </a:r>
-          </a:p>
-          <a:p>
-            <a:r>
-              <a:rPr lang="en-GB" dirty="0">
-                <a:effectLst/>
-              </a:rPr>
-              <a:t>Arrows etc</a:t>
-            </a:r>
-          </a:p>
-          <a:p>
-            <a:endParaRPr lang="en-GB" dirty="0">
-              <a:effectLst/>
-            </a:endParaRPr>
-          </a:p>
-          <a:p>
-            <a:r>
-              <a:rPr lang="en-GB" dirty="0">
-                <a:effectLst/>
-              </a:rPr>
-              <a:t>ACTION:</a:t>
-            </a:r>
-          </a:p>
-          <a:p>
-            <a:endParaRPr lang="en-GB" dirty="0">
-              <a:effectLst/>
-            </a:endParaRPr>
-          </a:p>
-          <a:p>
-            <a:r>
-              <a:rPr lang="en-GB" dirty="0">
-                <a:effectLst/>
-              </a:rPr>
-              <a:t>Create high level architecture diagram</a:t>
-            </a:r>
-          </a:p>
-          <a:p>
-            <a:r>
-              <a:rPr lang="en-US" dirty="0"/>
-              <a:t>Get screenshots</a:t>
-            </a:r>
+            <a:endParaRPr lang="en-US" dirty="0"/>
           </a:p>
         </p:txBody>
       </p:sp>
@@ -4525,7 +4782,7 @@
           <a:p>
             <a:fld id="{6A2F9BBA-A9BD-6344-AA98-520E3FE767FB}" type="slidenum">
               <a:rPr lang="en-US" smtClean="0"/>
-              <a:t>11</a:t>
+              <a:t>10</a:t>
             </a:fld>
             <a:endParaRPr lang="en-US"/>
           </a:p>
@@ -4534,7 +4791,7 @@
     </p:spTree>
     <p:extLst>
       <p:ext uri="{BB962C8B-B14F-4D97-AF65-F5344CB8AC3E}">
-        <p14:creationId xmlns:p14="http://schemas.microsoft.com/office/powerpoint/2010/main" val="1437149497"/>
+        <p14:creationId xmlns:p14="http://schemas.microsoft.com/office/powerpoint/2010/main" val="4020924892"/>
       </p:ext>
     </p:extLst>
   </p:cSld>

--- a/Traction Talk.pptx
+++ b/Traction Talk.pptx
@@ -2826,6 +2826,52 @@
             </a:r>
           </a:p>
           <a:p>
+            <a:r>
+              <a:rPr lang="en-GB" dirty="0">
+                <a:effectLst/>
+              </a:rPr>
+              <a:t>What </a:t>
+            </a:r>
+            <a:r>
+              <a:rPr lang="en-GB" dirty="0" err="1">
+                <a:effectLst/>
+              </a:rPr>
+              <a:t>Tracton</a:t>
+            </a:r>
+            <a:r>
+              <a:rPr lang="en-GB" dirty="0">
+                <a:effectLst/>
+              </a:rPr>
+              <a:t> delivers to NPG / faculty delivery</a:t>
+            </a:r>
+          </a:p>
+          <a:p>
+            <a:r>
+              <a:rPr lang="en-GB" dirty="0" err="1">
+                <a:effectLst/>
+              </a:rPr>
+              <a:t>Buisness</a:t>
+            </a:r>
+            <a:r>
+              <a:rPr lang="en-GB" dirty="0">
+                <a:effectLst/>
+              </a:rPr>
+              <a:t> </a:t>
+            </a:r>
+            <a:r>
+              <a:rPr lang="en-GB" dirty="0" err="1">
+                <a:effectLst/>
+              </a:rPr>
+              <a:t>impare</a:t>
+            </a:r>
+            <a:r>
+              <a:rPr lang="en-GB" dirty="0">
+                <a:effectLst/>
+              </a:rPr>
+              <a:t> of traction for NPG</a:t>
+            </a:r>
+          </a:p>
+          <a:p>
             <a:endParaRPr lang="en-GB" dirty="0">
               <a:effectLst/>
             </a:endParaRPr>
@@ -2890,6 +2936,282 @@
               </a:rPr>
               <a:t>Get images that reflect his work</a:t>
             </a:r>
+          </a:p>
+          <a:p>
+            <a:endParaRPr lang="en-GB" dirty="0">
+              <a:effectLst/>
+            </a:endParaRPr>
+          </a:p>
+          <a:p>
+            <a:r>
+              <a:rPr lang="en-GB" dirty="0">
+                <a:effectLst/>
+              </a:rPr>
+              <a:t>NPG need to know …</a:t>
+            </a:r>
+          </a:p>
+          <a:p>
+            <a:endParaRPr lang="en-GB" dirty="0">
+              <a:effectLst/>
+            </a:endParaRPr>
+          </a:p>
+          <a:p>
+            <a:pPr marL="0" marR="0" lvl="0" indent="0" algn="l" defTabSz="415698" rtl="0" eaLnBrk="1" fontAlgn="auto" latinLnBrk="0" hangingPunct="1">
+              <a:lnSpc>
+                <a:spcPct val="100000"/>
+              </a:lnSpc>
+              <a:spcBef>
+                <a:spcPts val="0"/>
+              </a:spcBef>
+              <a:spcAft>
+                <a:spcPts val="0"/>
+              </a:spcAft>
+              <a:buClrTx/>
+              <a:buSzTx/>
+              <a:buFontTx/>
+              <a:buNone/>
+              <a:tabLst/>
+              <a:defRPr/>
+            </a:pPr>
+            <a:r>
+              <a:rPr lang="en-US" dirty="0"/>
+              <a:t>Need to know what, when and where</a:t>
+            </a:r>
+          </a:p>
+          <a:p>
+            <a:pPr marL="0" marR="0" lvl="0" indent="0" algn="l" defTabSz="415698" rtl="0" eaLnBrk="1" fontAlgn="auto" latinLnBrk="0" hangingPunct="1">
+              <a:lnSpc>
+                <a:spcPct val="100000"/>
+              </a:lnSpc>
+              <a:spcBef>
+                <a:spcPts val="0"/>
+              </a:spcBef>
+              <a:spcAft>
+                <a:spcPts val="0"/>
+              </a:spcAft>
+              <a:buClrTx/>
+              <a:buSzTx/>
+              <a:buFontTx/>
+              <a:buNone/>
+              <a:tabLst/>
+              <a:defRPr/>
+            </a:pPr>
+            <a:r>
+              <a:rPr lang="en-US" dirty="0"/>
+              <a:t>Get that information from the MLWH, which is inserted from Traction</a:t>
+            </a:r>
+          </a:p>
+          <a:p>
+            <a:pPr marL="0" marR="0" lvl="0" indent="0" algn="l" defTabSz="415698" rtl="0" eaLnBrk="1" fontAlgn="auto" latinLnBrk="0" hangingPunct="1">
+              <a:lnSpc>
+                <a:spcPct val="100000"/>
+              </a:lnSpc>
+              <a:spcBef>
+                <a:spcPts val="0"/>
+              </a:spcBef>
+              <a:spcAft>
+                <a:spcPts val="0"/>
+              </a:spcAft>
+              <a:buClrTx/>
+              <a:buSzTx/>
+              <a:buFontTx/>
+              <a:buNone/>
+              <a:tabLst/>
+              <a:defRPr/>
+            </a:pPr>
+            <a:endParaRPr lang="en-US" dirty="0"/>
+          </a:p>
+          <a:p>
+            <a:pPr marL="0" marR="0" lvl="0" indent="0" algn="l" defTabSz="415698" rtl="0" eaLnBrk="1" fontAlgn="auto" latinLnBrk="0" hangingPunct="1">
+              <a:lnSpc>
+                <a:spcPct val="100000"/>
+              </a:lnSpc>
+              <a:spcBef>
+                <a:spcPts val="0"/>
+              </a:spcBef>
+              <a:spcAft>
+                <a:spcPts val="0"/>
+              </a:spcAft>
+              <a:buClrTx/>
+              <a:buSzTx/>
+              <a:buFontTx/>
+              <a:buNone/>
+              <a:tabLst/>
+              <a:defRPr/>
+            </a:pPr>
+            <a:r>
+              <a:rPr lang="en-US" dirty="0"/>
+              <a:t>Use the data that Traction puts into the MLWH</a:t>
+            </a:r>
+          </a:p>
+          <a:p>
+            <a:endParaRPr lang="en-US" dirty="0"/>
+          </a:p>
+          <a:p>
+            <a:r>
+              <a:rPr lang="en-US" dirty="0"/>
+              <a:t>NPG want to know what biological material has been loaded which flowcell</a:t>
+            </a:r>
+          </a:p>
+          <a:p>
+            <a:r>
+              <a:rPr lang="en-US" dirty="0"/>
+              <a:t>NPG </a:t>
+            </a:r>
+            <a:r>
+              <a:rPr lang="en-US" dirty="0" err="1"/>
+              <a:t>identiy</a:t>
+            </a:r>
+            <a:r>
+              <a:rPr lang="en-US" dirty="0"/>
+              <a:t> the origin of samples which is loaded onto the oxford ONT </a:t>
+            </a:r>
+            <a:r>
+              <a:rPr lang="en-US" dirty="0" err="1"/>
+              <a:t>tehnologies</a:t>
+            </a:r>
+            <a:endParaRPr lang="en-US" dirty="0"/>
+          </a:p>
+          <a:p>
+            <a:endParaRPr lang="en-US" dirty="0"/>
+          </a:p>
+          <a:p>
+            <a:r>
+              <a:rPr lang="en-US" dirty="0"/>
+              <a:t>Timestamps from files</a:t>
+            </a:r>
+          </a:p>
+          <a:p>
+            <a:r>
+              <a:rPr lang="en-US" dirty="0"/>
+              <a:t>And gives NPG a way to know what runs to expect on the machine</a:t>
+            </a:r>
+          </a:p>
+          <a:p>
+            <a:r>
+              <a:rPr lang="en-US" dirty="0"/>
+              <a:t>NPG can physically look at what is on the disk</a:t>
+            </a:r>
+          </a:p>
+          <a:p>
+            <a:r>
+              <a:rPr lang="en-US" dirty="0"/>
+              <a:t>Can compare that to what is in Traction to make sure they have got all the data</a:t>
+            </a:r>
+          </a:p>
+          <a:p>
+            <a:endParaRPr lang="en-US" dirty="0"/>
+          </a:p>
+          <a:p>
+            <a:r>
+              <a:rPr lang="en-US" dirty="0"/>
+              <a:t>Currently, without </a:t>
+            </a:r>
+            <a:r>
+              <a:rPr lang="en-US" dirty="0" err="1"/>
+              <a:t>Tracton</a:t>
+            </a:r>
+            <a:endParaRPr lang="en-US" dirty="0"/>
+          </a:p>
+          <a:p>
+            <a:endParaRPr lang="en-US" dirty="0"/>
+          </a:p>
+          <a:p>
+            <a:r>
+              <a:rPr lang="en-US" dirty="0"/>
+              <a:t>To know what the sample is currently, </a:t>
+            </a:r>
+          </a:p>
+          <a:p>
+            <a:endParaRPr lang="en-US" dirty="0"/>
+          </a:p>
+          <a:p>
+            <a:r>
+              <a:rPr lang="en-US" dirty="0" err="1"/>
+              <a:t>Collobrate</a:t>
+            </a:r>
+            <a:r>
+              <a:rPr lang="en-US"/>
+              <a:t> – fields in the MLWH table</a:t>
+            </a:r>
+            <a:endParaRPr lang="en-US" dirty="0"/>
+          </a:p>
+          <a:p>
+            <a:endParaRPr lang="en-US" dirty="0"/>
+          </a:p>
+          <a:p>
+            <a:r>
+              <a:rPr lang="en-US" dirty="0"/>
+              <a:t>Make sure the required fields</a:t>
+            </a:r>
+          </a:p>
+          <a:p>
+            <a:r>
+              <a:rPr lang="en-US" dirty="0"/>
+              <a:t>Discussed the fields in the table to make sure data NPG required was inserted</a:t>
+            </a:r>
+          </a:p>
+          <a:p>
+            <a:endParaRPr lang="en-US" dirty="0"/>
+          </a:p>
+          <a:p>
+            <a:r>
+              <a:rPr lang="en-US" dirty="0" err="1"/>
+              <a:t>Gridion</a:t>
+            </a:r>
+            <a:r>
+              <a:rPr lang="en-US" dirty="0"/>
+              <a:t> – nothing before Traction</a:t>
+            </a:r>
+          </a:p>
+          <a:p>
+            <a:r>
+              <a:rPr lang="en-US" dirty="0"/>
+              <a:t>R&amp;D </a:t>
+            </a:r>
+            <a:r>
+              <a:rPr lang="en-US" dirty="0" err="1"/>
+              <a:t>machience</a:t>
+            </a:r>
+            <a:r>
+              <a:rPr lang="en-US" dirty="0"/>
+              <a:t> – </a:t>
+            </a:r>
+          </a:p>
+          <a:p>
+            <a:endParaRPr lang="en-US" dirty="0"/>
+          </a:p>
+          <a:p>
+            <a:endParaRPr lang="en-US" dirty="0"/>
+          </a:p>
+          <a:p>
+            <a:r>
+              <a:rPr lang="en-US" dirty="0" err="1"/>
+              <a:t>Permition</a:t>
+            </a:r>
+            <a:r>
+              <a:rPr lang="en-US" dirty="0"/>
+              <a:t> – done in an ad hoc way. P gives an example of what the </a:t>
+            </a:r>
+            <a:r>
+              <a:rPr lang="en-US" dirty="0" err="1"/>
+              <a:t>gridion</a:t>
+            </a:r>
+            <a:r>
+              <a:rPr lang="en-US" dirty="0"/>
+              <a:t> used to be like</a:t>
+            </a:r>
+          </a:p>
+          <a:p>
+            <a:endParaRPr lang="en-US" dirty="0"/>
+          </a:p>
+          <a:p>
+            <a:endParaRPr lang="en-US" dirty="0"/>
+          </a:p>
+          <a:p>
+            <a:endParaRPr lang="en-US" dirty="0"/>
+          </a:p>
+          <a:p>
             <a:endParaRPr lang="en-US" dirty="0"/>
           </a:p>
         </p:txBody>
